--- a/maven.pptx
+++ b/maven.pptx
@@ -5,18 +5,20 @@
     <p:sldMasterId id="2147483648" r:id="rId1"/>
   </p:sldMasterIdLst>
   <p:notesMasterIdLst>
-    <p:notesMasterId r:id="rId6"/>
+    <p:notesMasterId r:id="rId8"/>
   </p:notesMasterIdLst>
   <p:sldIdLst>
     <p:sldId id="256" r:id="rId2"/>
     <p:sldId id="305" r:id="rId3"/>
     <p:sldId id="307" r:id="rId4"/>
-    <p:sldId id="308" r:id="rId5"/>
+    <p:sldId id="309" r:id="rId5"/>
+    <p:sldId id="311" r:id="rId6"/>
+    <p:sldId id="308" r:id="rId7"/>
   </p:sldIdLst>
   <p:sldSz cx="12192000" cy="6858000"/>
   <p:notesSz cx="6858000" cy="9144000"/>
   <p:custDataLst>
-    <p:tags r:id="rId7"/>
+    <p:tags r:id="rId9"/>
   </p:custDataLst>
   <p:defaultTextStyle>
     <a:defPPr>
@@ -115,7 +117,7 @@
   </p:defaultTextStyle>
   <p:extLst>
     <p:ext uri="{EFAFB233-063F-42B5-8137-9DF3F51BA10A}">
-      <p15:sldGuideLst xmlns:p15="http://schemas.microsoft.com/office/powerpoint/2012/main" xmlns="">
+      <p15:sldGuideLst xmlns:p15="http://schemas.microsoft.com/office/powerpoint/2012/main">
         <p15:guide id="1" orient="horz" pos="2160" userDrawn="1">
           <p15:clr>
             <a:srgbClr val="A4A3A4"/>
@@ -219,7 +221,7 @@
             <a:fld id="{05B1D5F9-199E-4B77-ACFB-0D659EE03F6C}" type="datetimeFigureOut">
               <a:rPr lang="zh-CN" altLang="en-US" smtClean="0"/>
               <a:pPr/>
-              <a:t>2018/5/28</a:t>
+              <a:t>2018/5/29</a:t>
             </a:fld>
             <a:endParaRPr lang="zh-CN" altLang="en-US"/>
           </a:p>
@@ -387,7 +389,7 @@
     </p:spTree>
     <p:extLst>
       <p:ext uri="{BB962C8B-B14F-4D97-AF65-F5344CB8AC3E}">
-        <p14:creationId xmlns:p14="http://schemas.microsoft.com/office/powerpoint/2010/main" xmlns="" val="4136795833"/>
+        <p14:creationId xmlns:p14="http://schemas.microsoft.com/office/powerpoint/2010/main" val="4136795833"/>
       </p:ext>
     </p:extLst>
   </p:cSld>
@@ -562,7 +564,7 @@
     </p:spTree>
     <p:extLst>
       <p:ext uri="{BB962C8B-B14F-4D97-AF65-F5344CB8AC3E}">
-        <p14:creationId xmlns:p14="http://schemas.microsoft.com/office/powerpoint/2010/main" xmlns="" val="2594768037"/>
+        <p14:creationId xmlns:p14="http://schemas.microsoft.com/office/powerpoint/2010/main" val="2594768037"/>
       </p:ext>
     </p:extLst>
   </p:cSld>
@@ -647,7 +649,7 @@
     </p:spTree>
     <p:extLst>
       <p:ext uri="{BB962C8B-B14F-4D97-AF65-F5344CB8AC3E}">
-        <p14:creationId xmlns:p14="http://schemas.microsoft.com/office/powerpoint/2010/main" xmlns="" val="2506518844"/>
+        <p14:creationId xmlns:p14="http://schemas.microsoft.com/office/powerpoint/2010/main" val="2506518844"/>
       </p:ext>
     </p:extLst>
   </p:cSld>
@@ -732,7 +734,7 @@
     </p:spTree>
     <p:extLst>
       <p:ext uri="{BB962C8B-B14F-4D97-AF65-F5344CB8AC3E}">
-        <p14:creationId xmlns:p14="http://schemas.microsoft.com/office/powerpoint/2010/main" xmlns="" val="2506518844"/>
+        <p14:creationId xmlns:p14="http://schemas.microsoft.com/office/powerpoint/2010/main" val="2506518844"/>
       </p:ext>
     </p:extLst>
   </p:cSld>
@@ -817,7 +819,177 @@
     </p:spTree>
     <p:extLst>
       <p:ext uri="{BB962C8B-B14F-4D97-AF65-F5344CB8AC3E}">
-        <p14:creationId xmlns:p14="http://schemas.microsoft.com/office/powerpoint/2010/main" xmlns="" val="2506518844"/>
+        <p14:creationId xmlns:p14="http://schemas.microsoft.com/office/powerpoint/2010/main" val="4127691975"/>
+      </p:ext>
+    </p:extLst>
+  </p:cSld>
+  <p:clrMapOvr>
+    <a:masterClrMapping/>
+  </p:clrMapOvr>
+</p:notes>
+</file>
+
+<file path=ppt/notesSlides/notesSlide5.xml><?xml version="1.0" encoding="utf-8"?>
+<p:notes xmlns:a="http://schemas.openxmlformats.org/drawingml/2006/main" xmlns:r="http://schemas.openxmlformats.org/officeDocument/2006/relationships" xmlns:p="http://schemas.openxmlformats.org/presentationml/2006/main">
+  <p:cSld>
+    <p:spTree>
+      <p:nvGrpSpPr>
+        <p:cNvPr id="1" name=""/>
+        <p:cNvGrpSpPr/>
+        <p:nvPr/>
+      </p:nvGrpSpPr>
+      <p:grpSpPr>
+        <a:xfrm>
+          <a:off x="0" y="0"/>
+          <a:ext cx="0" cy="0"/>
+          <a:chOff x="0" y="0"/>
+          <a:chExt cx="0" cy="0"/>
+        </a:xfrm>
+      </p:grpSpPr>
+      <p:sp>
+        <p:nvSpPr>
+          <p:cNvPr id="2" name="幻灯片图像占位符 1"/>
+          <p:cNvSpPr>
+            <a:spLocks noGrp="1" noRot="1" noChangeAspect="1"/>
+          </p:cNvSpPr>
+          <p:nvPr>
+            <p:ph type="sldImg"/>
+          </p:nvPr>
+        </p:nvSpPr>
+        <p:spPr/>
+      </p:sp>
+      <p:sp>
+        <p:nvSpPr>
+          <p:cNvPr id="3" name="备注占位符 2"/>
+          <p:cNvSpPr>
+            <a:spLocks noGrp="1"/>
+          </p:cNvSpPr>
+          <p:nvPr>
+            <p:ph type="body" idx="1"/>
+          </p:nvPr>
+        </p:nvSpPr>
+        <p:spPr/>
+        <p:txBody>
+          <a:bodyPr/>
+          <a:lstStyle/>
+          <a:p>
+            <a:endParaRPr lang="zh-CN" altLang="en-US"/>
+          </a:p>
+        </p:txBody>
+      </p:sp>
+      <p:sp>
+        <p:nvSpPr>
+          <p:cNvPr id="4" name="灯片编号占位符 3"/>
+          <p:cNvSpPr>
+            <a:spLocks noGrp="1"/>
+          </p:cNvSpPr>
+          <p:nvPr>
+            <p:ph type="sldNum" sz="quarter" idx="10"/>
+          </p:nvPr>
+        </p:nvSpPr>
+        <p:spPr/>
+        <p:txBody>
+          <a:bodyPr/>
+          <a:lstStyle/>
+          <a:p>
+            <a:fld id="{22553725-671C-4999-8D68-861E5DC01BD8}" type="slidenum">
+              <a:rPr lang="zh-CN" altLang="en-US" smtClean="0"/>
+              <a:pPr/>
+              <a:t>5</a:t>
+            </a:fld>
+            <a:endParaRPr lang="zh-CN" altLang="en-US"/>
+          </a:p>
+        </p:txBody>
+      </p:sp>
+    </p:spTree>
+    <p:extLst>
+      <p:ext uri="{BB962C8B-B14F-4D97-AF65-F5344CB8AC3E}">
+        <p14:creationId xmlns:p14="http://schemas.microsoft.com/office/powerpoint/2010/main" val="1727976632"/>
+      </p:ext>
+    </p:extLst>
+  </p:cSld>
+  <p:clrMapOvr>
+    <a:masterClrMapping/>
+  </p:clrMapOvr>
+</p:notes>
+</file>
+
+<file path=ppt/notesSlides/notesSlide6.xml><?xml version="1.0" encoding="utf-8"?>
+<p:notes xmlns:a="http://schemas.openxmlformats.org/drawingml/2006/main" xmlns:r="http://schemas.openxmlformats.org/officeDocument/2006/relationships" xmlns:p="http://schemas.openxmlformats.org/presentationml/2006/main">
+  <p:cSld>
+    <p:spTree>
+      <p:nvGrpSpPr>
+        <p:cNvPr id="1" name=""/>
+        <p:cNvGrpSpPr/>
+        <p:nvPr/>
+      </p:nvGrpSpPr>
+      <p:grpSpPr>
+        <a:xfrm>
+          <a:off x="0" y="0"/>
+          <a:ext cx="0" cy="0"/>
+          <a:chOff x="0" y="0"/>
+          <a:chExt cx="0" cy="0"/>
+        </a:xfrm>
+      </p:grpSpPr>
+      <p:sp>
+        <p:nvSpPr>
+          <p:cNvPr id="2" name="幻灯片图像占位符 1"/>
+          <p:cNvSpPr>
+            <a:spLocks noGrp="1" noRot="1" noChangeAspect="1"/>
+          </p:cNvSpPr>
+          <p:nvPr>
+            <p:ph type="sldImg"/>
+          </p:nvPr>
+        </p:nvSpPr>
+        <p:spPr/>
+      </p:sp>
+      <p:sp>
+        <p:nvSpPr>
+          <p:cNvPr id="3" name="备注占位符 2"/>
+          <p:cNvSpPr>
+            <a:spLocks noGrp="1"/>
+          </p:cNvSpPr>
+          <p:nvPr>
+            <p:ph type="body" idx="1"/>
+          </p:nvPr>
+        </p:nvSpPr>
+        <p:spPr/>
+        <p:txBody>
+          <a:bodyPr/>
+          <a:lstStyle/>
+          <a:p>
+            <a:endParaRPr lang="zh-CN" altLang="en-US"/>
+          </a:p>
+        </p:txBody>
+      </p:sp>
+      <p:sp>
+        <p:nvSpPr>
+          <p:cNvPr id="4" name="灯片编号占位符 3"/>
+          <p:cNvSpPr>
+            <a:spLocks noGrp="1"/>
+          </p:cNvSpPr>
+          <p:nvPr>
+            <p:ph type="sldNum" sz="quarter" idx="10"/>
+          </p:nvPr>
+        </p:nvSpPr>
+        <p:spPr/>
+        <p:txBody>
+          <a:bodyPr/>
+          <a:lstStyle/>
+          <a:p>
+            <a:fld id="{22553725-671C-4999-8D68-861E5DC01BD8}" type="slidenum">
+              <a:rPr lang="zh-CN" altLang="en-US" smtClean="0"/>
+              <a:pPr/>
+              <a:t>6</a:t>
+            </a:fld>
+            <a:endParaRPr lang="zh-CN" altLang="en-US"/>
+          </a:p>
+        </p:txBody>
+      </p:sp>
+    </p:spTree>
+    <p:extLst>
+      <p:ext uri="{BB962C8B-B14F-4D97-AF65-F5344CB8AC3E}">
+        <p14:creationId xmlns:p14="http://schemas.microsoft.com/office/powerpoint/2010/main" val="2506518844"/>
       </p:ext>
     </p:extLst>
   </p:cSld>
@@ -957,7 +1129,7 @@
             <a:fld id="{91AD7F68-8E1B-45E2-8A27-5D5DEAAB1BF2}" type="datetimeFigureOut">
               <a:rPr lang="zh-CN" altLang="en-US" smtClean="0"/>
               <a:pPr/>
-              <a:t>2018/5/28</a:t>
+              <a:t>2018/5/29</a:t>
             </a:fld>
             <a:endParaRPr lang="zh-CN" altLang="en-US"/>
           </a:p>
@@ -1009,20 +1181,20 @@
     </p:spTree>
     <p:extLst>
       <p:ext uri="{BB962C8B-B14F-4D97-AF65-F5344CB8AC3E}">
-        <p14:creationId xmlns:p14="http://schemas.microsoft.com/office/powerpoint/2010/main" xmlns="" val="3379505774"/>
+        <p14:creationId xmlns:p14="http://schemas.microsoft.com/office/powerpoint/2010/main" val="3379505774"/>
       </p:ext>
     </p:extLst>
   </p:cSld>
   <p:clrMapOvr>
     <a:masterClrMapping/>
   </p:clrMapOvr>
-  <mc:AlternateContent xmlns:mc="http://schemas.openxmlformats.org/markup-compatibility/2006">
-    <mc:Choice xmlns:p14="http://schemas.microsoft.com/office/powerpoint/2010/main" xmlns="" Requires="p14">
+  <mc:AlternateContent xmlns:mc="http://schemas.openxmlformats.org/markup-compatibility/2006" xmlns:p14="http://schemas.microsoft.com/office/powerpoint/2010/main">
+    <mc:Choice Requires="p14">
       <p:transition spd="slow" p14:dur="1500" advClick="0" advTm="0">
         <p:random/>
       </p:transition>
     </mc:Choice>
-    <mc:Fallback>
+    <mc:Fallback xmlns="">
       <p:transition spd="slow" advClick="0" advTm="0">
         <p:random/>
       </p:transition>
@@ -1139,7 +1311,7 @@
             <a:fld id="{91AD7F68-8E1B-45E2-8A27-5D5DEAAB1BF2}" type="datetimeFigureOut">
               <a:rPr lang="zh-CN" altLang="en-US" smtClean="0"/>
               <a:pPr/>
-              <a:t>2018/5/28</a:t>
+              <a:t>2018/5/29</a:t>
             </a:fld>
             <a:endParaRPr lang="zh-CN" altLang="en-US"/>
           </a:p>
@@ -1191,20 +1363,20 @@
     </p:spTree>
     <p:extLst>
       <p:ext uri="{BB962C8B-B14F-4D97-AF65-F5344CB8AC3E}">
-        <p14:creationId xmlns:p14="http://schemas.microsoft.com/office/powerpoint/2010/main" xmlns="" val="4292131042"/>
+        <p14:creationId xmlns:p14="http://schemas.microsoft.com/office/powerpoint/2010/main" val="4292131042"/>
       </p:ext>
     </p:extLst>
   </p:cSld>
   <p:clrMapOvr>
     <a:masterClrMapping/>
   </p:clrMapOvr>
-  <mc:AlternateContent xmlns:mc="http://schemas.openxmlformats.org/markup-compatibility/2006">
-    <mc:Choice xmlns:p14="http://schemas.microsoft.com/office/powerpoint/2010/main" xmlns="" Requires="p14">
+  <mc:AlternateContent xmlns:mc="http://schemas.openxmlformats.org/markup-compatibility/2006" xmlns:p14="http://schemas.microsoft.com/office/powerpoint/2010/main">
+    <mc:Choice Requires="p14">
       <p:transition spd="slow" p14:dur="1500" advClick="0" advTm="0">
         <p:random/>
       </p:transition>
     </mc:Choice>
-    <mc:Fallback>
+    <mc:Fallback xmlns="">
       <p:transition spd="slow" advClick="0" advTm="0">
         <p:random/>
       </p:transition>
@@ -1331,7 +1503,7 @@
             <a:fld id="{91AD7F68-8E1B-45E2-8A27-5D5DEAAB1BF2}" type="datetimeFigureOut">
               <a:rPr lang="zh-CN" altLang="en-US" smtClean="0"/>
               <a:pPr/>
-              <a:t>2018/5/28</a:t>
+              <a:t>2018/5/29</a:t>
             </a:fld>
             <a:endParaRPr lang="zh-CN" altLang="en-US"/>
           </a:p>
@@ -1383,20 +1555,20 @@
     </p:spTree>
     <p:extLst>
       <p:ext uri="{BB962C8B-B14F-4D97-AF65-F5344CB8AC3E}">
-        <p14:creationId xmlns:p14="http://schemas.microsoft.com/office/powerpoint/2010/main" xmlns="" val="1952128637"/>
+        <p14:creationId xmlns:p14="http://schemas.microsoft.com/office/powerpoint/2010/main" val="1952128637"/>
       </p:ext>
     </p:extLst>
   </p:cSld>
   <p:clrMapOvr>
     <a:masterClrMapping/>
   </p:clrMapOvr>
-  <mc:AlternateContent xmlns:mc="http://schemas.openxmlformats.org/markup-compatibility/2006">
-    <mc:Choice xmlns:p14="http://schemas.microsoft.com/office/powerpoint/2010/main" xmlns="" Requires="p14">
+  <mc:AlternateContent xmlns:mc="http://schemas.openxmlformats.org/markup-compatibility/2006" xmlns:p14="http://schemas.microsoft.com/office/powerpoint/2010/main">
+    <mc:Choice Requires="p14">
       <p:transition spd="slow" p14:dur="1500" advClick="0" advTm="0">
         <p:random/>
       </p:transition>
     </mc:Choice>
-    <mc:Fallback>
+    <mc:Fallback xmlns="">
       <p:transition spd="slow" advClick="0" advTm="0">
         <p:random/>
       </p:transition>
@@ -1513,7 +1685,7 @@
             <a:fld id="{91AD7F68-8E1B-45E2-8A27-5D5DEAAB1BF2}" type="datetimeFigureOut">
               <a:rPr lang="zh-CN" altLang="en-US" smtClean="0"/>
               <a:pPr/>
-              <a:t>2018/5/28</a:t>
+              <a:t>2018/5/29</a:t>
             </a:fld>
             <a:endParaRPr lang="zh-CN" altLang="en-US"/>
           </a:p>
@@ -1565,20 +1737,20 @@
     </p:spTree>
     <p:extLst>
       <p:ext uri="{BB962C8B-B14F-4D97-AF65-F5344CB8AC3E}">
-        <p14:creationId xmlns:p14="http://schemas.microsoft.com/office/powerpoint/2010/main" xmlns="" val="4173798514"/>
+        <p14:creationId xmlns:p14="http://schemas.microsoft.com/office/powerpoint/2010/main" val="4173798514"/>
       </p:ext>
     </p:extLst>
   </p:cSld>
   <p:clrMapOvr>
     <a:masterClrMapping/>
   </p:clrMapOvr>
-  <mc:AlternateContent xmlns:mc="http://schemas.openxmlformats.org/markup-compatibility/2006">
-    <mc:Choice xmlns:p14="http://schemas.microsoft.com/office/powerpoint/2010/main" xmlns="" Requires="p14">
+  <mc:AlternateContent xmlns:mc="http://schemas.openxmlformats.org/markup-compatibility/2006" xmlns:p14="http://schemas.microsoft.com/office/powerpoint/2010/main">
+    <mc:Choice Requires="p14">
       <p:transition spd="slow" p14:dur="1500" advClick="0" advTm="0">
         <p:random/>
       </p:transition>
     </mc:Choice>
-    <mc:Fallback>
+    <mc:Fallback xmlns="">
       <p:transition spd="slow" advClick="0" advTm="0">
         <p:random/>
       </p:transition>
@@ -1772,7 +1944,7 @@
             <a:fld id="{91AD7F68-8E1B-45E2-8A27-5D5DEAAB1BF2}" type="datetimeFigureOut">
               <a:rPr lang="zh-CN" altLang="en-US" smtClean="0"/>
               <a:pPr/>
-              <a:t>2018/5/28</a:t>
+              <a:t>2018/5/29</a:t>
             </a:fld>
             <a:endParaRPr lang="zh-CN" altLang="en-US"/>
           </a:p>
@@ -1824,20 +1996,20 @@
     </p:spTree>
     <p:extLst>
       <p:ext uri="{BB962C8B-B14F-4D97-AF65-F5344CB8AC3E}">
-        <p14:creationId xmlns:p14="http://schemas.microsoft.com/office/powerpoint/2010/main" xmlns="" val="2343028950"/>
+        <p14:creationId xmlns:p14="http://schemas.microsoft.com/office/powerpoint/2010/main" val="2343028950"/>
       </p:ext>
     </p:extLst>
   </p:cSld>
   <p:clrMapOvr>
     <a:masterClrMapping/>
   </p:clrMapOvr>
-  <mc:AlternateContent xmlns:mc="http://schemas.openxmlformats.org/markup-compatibility/2006">
-    <mc:Choice xmlns:p14="http://schemas.microsoft.com/office/powerpoint/2010/main" xmlns="" Requires="p14">
+  <mc:AlternateContent xmlns:mc="http://schemas.openxmlformats.org/markup-compatibility/2006" xmlns:p14="http://schemas.microsoft.com/office/powerpoint/2010/main">
+    <mc:Choice Requires="p14">
       <p:transition spd="slow" p14:dur="1500" advClick="0" advTm="0">
         <p:random/>
       </p:transition>
     </mc:Choice>
-    <mc:Fallback>
+    <mc:Fallback xmlns="">
       <p:transition spd="slow" advClick="0" advTm="0">
         <p:random/>
       </p:transition>
@@ -2015,7 +2187,7 @@
             <a:fld id="{91AD7F68-8E1B-45E2-8A27-5D5DEAAB1BF2}" type="datetimeFigureOut">
               <a:rPr lang="zh-CN" altLang="en-US" smtClean="0"/>
               <a:pPr/>
-              <a:t>2018/5/28</a:t>
+              <a:t>2018/5/29</a:t>
             </a:fld>
             <a:endParaRPr lang="zh-CN" altLang="en-US"/>
           </a:p>
@@ -2067,20 +2239,20 @@
     </p:spTree>
     <p:extLst>
       <p:ext uri="{BB962C8B-B14F-4D97-AF65-F5344CB8AC3E}">
-        <p14:creationId xmlns:p14="http://schemas.microsoft.com/office/powerpoint/2010/main" xmlns="" val="1951757828"/>
+        <p14:creationId xmlns:p14="http://schemas.microsoft.com/office/powerpoint/2010/main" val="1951757828"/>
       </p:ext>
     </p:extLst>
   </p:cSld>
   <p:clrMapOvr>
     <a:masterClrMapping/>
   </p:clrMapOvr>
-  <mc:AlternateContent xmlns:mc="http://schemas.openxmlformats.org/markup-compatibility/2006">
-    <mc:Choice xmlns:p14="http://schemas.microsoft.com/office/powerpoint/2010/main" xmlns="" Requires="p14">
+  <mc:AlternateContent xmlns:mc="http://schemas.openxmlformats.org/markup-compatibility/2006" xmlns:p14="http://schemas.microsoft.com/office/powerpoint/2010/main">
+    <mc:Choice Requires="p14">
       <p:transition spd="slow" p14:dur="1500" advClick="0" advTm="0">
         <p:random/>
       </p:transition>
     </mc:Choice>
-    <mc:Fallback>
+    <mc:Fallback xmlns="">
       <p:transition spd="slow" advClick="0" advTm="0">
         <p:random/>
       </p:transition>
@@ -2393,7 +2565,7 @@
             <a:fld id="{91AD7F68-8E1B-45E2-8A27-5D5DEAAB1BF2}" type="datetimeFigureOut">
               <a:rPr lang="zh-CN" altLang="en-US" smtClean="0"/>
               <a:pPr/>
-              <a:t>2018/5/28</a:t>
+              <a:t>2018/5/29</a:t>
             </a:fld>
             <a:endParaRPr lang="zh-CN" altLang="en-US"/>
           </a:p>
@@ -2445,20 +2617,20 @@
     </p:spTree>
     <p:extLst>
       <p:ext uri="{BB962C8B-B14F-4D97-AF65-F5344CB8AC3E}">
-        <p14:creationId xmlns:p14="http://schemas.microsoft.com/office/powerpoint/2010/main" xmlns="" val="3785743930"/>
+        <p14:creationId xmlns:p14="http://schemas.microsoft.com/office/powerpoint/2010/main" val="3785743930"/>
       </p:ext>
     </p:extLst>
   </p:cSld>
   <p:clrMapOvr>
     <a:masterClrMapping/>
   </p:clrMapOvr>
-  <mc:AlternateContent xmlns:mc="http://schemas.openxmlformats.org/markup-compatibility/2006">
-    <mc:Choice xmlns:p14="http://schemas.microsoft.com/office/powerpoint/2010/main" xmlns="" Requires="p14">
+  <mc:AlternateContent xmlns:mc="http://schemas.openxmlformats.org/markup-compatibility/2006" xmlns:p14="http://schemas.microsoft.com/office/powerpoint/2010/main">
+    <mc:Choice Requires="p14">
       <p:transition spd="slow" p14:dur="1500" advClick="0" advTm="0">
         <p:random/>
       </p:transition>
     </mc:Choice>
-    <mc:Fallback>
+    <mc:Fallback xmlns="">
       <p:transition spd="slow" advClick="0" advTm="0">
         <p:random/>
       </p:transition>
@@ -2524,7 +2696,7 @@
             <a:fld id="{91AD7F68-8E1B-45E2-8A27-5D5DEAAB1BF2}" type="datetimeFigureOut">
               <a:rPr lang="zh-CN" altLang="en-US" smtClean="0"/>
               <a:pPr/>
-              <a:t>2018/5/28</a:t>
+              <a:t>2018/5/29</a:t>
             </a:fld>
             <a:endParaRPr lang="zh-CN" altLang="en-US"/>
           </a:p>
@@ -2576,20 +2748,20 @@
     </p:spTree>
     <p:extLst>
       <p:ext uri="{BB962C8B-B14F-4D97-AF65-F5344CB8AC3E}">
-        <p14:creationId xmlns:p14="http://schemas.microsoft.com/office/powerpoint/2010/main" xmlns="" val="1272998583"/>
+        <p14:creationId xmlns:p14="http://schemas.microsoft.com/office/powerpoint/2010/main" val="1272998583"/>
       </p:ext>
     </p:extLst>
   </p:cSld>
   <p:clrMapOvr>
     <a:masterClrMapping/>
   </p:clrMapOvr>
-  <mc:AlternateContent xmlns:mc="http://schemas.openxmlformats.org/markup-compatibility/2006">
-    <mc:Choice xmlns:p14="http://schemas.microsoft.com/office/powerpoint/2010/main" xmlns="" Requires="p14">
+  <mc:AlternateContent xmlns:mc="http://schemas.openxmlformats.org/markup-compatibility/2006" xmlns:p14="http://schemas.microsoft.com/office/powerpoint/2010/main">
+    <mc:Choice Requires="p14">
       <p:transition spd="slow" p14:dur="1500" advClick="0" advTm="0">
         <p:random/>
       </p:transition>
     </mc:Choice>
-    <mc:Fallback>
+    <mc:Fallback xmlns="">
       <p:transition spd="slow" advClick="0" advTm="0">
         <p:random/>
       </p:transition>
@@ -2633,7 +2805,7 @@
             <a:fld id="{91AD7F68-8E1B-45E2-8A27-5D5DEAAB1BF2}" type="datetimeFigureOut">
               <a:rPr lang="zh-CN" altLang="en-US" smtClean="0"/>
               <a:pPr/>
-              <a:t>2018/5/28</a:t>
+              <a:t>2018/5/29</a:t>
             </a:fld>
             <a:endParaRPr lang="zh-CN" altLang="en-US"/>
           </a:p>
@@ -2685,20 +2857,20 @@
     </p:spTree>
     <p:extLst>
       <p:ext uri="{BB962C8B-B14F-4D97-AF65-F5344CB8AC3E}">
-        <p14:creationId xmlns:p14="http://schemas.microsoft.com/office/powerpoint/2010/main" xmlns="" val="2103091704"/>
+        <p14:creationId xmlns:p14="http://schemas.microsoft.com/office/powerpoint/2010/main" val="2103091704"/>
       </p:ext>
     </p:extLst>
   </p:cSld>
   <p:clrMapOvr>
     <a:masterClrMapping/>
   </p:clrMapOvr>
-  <mc:AlternateContent xmlns:mc="http://schemas.openxmlformats.org/markup-compatibility/2006">
-    <mc:Choice xmlns:p14="http://schemas.microsoft.com/office/powerpoint/2010/main" xmlns="" Requires="p14">
+  <mc:AlternateContent xmlns:mc="http://schemas.openxmlformats.org/markup-compatibility/2006" xmlns:p14="http://schemas.microsoft.com/office/powerpoint/2010/main">
+    <mc:Choice Requires="p14">
       <p:transition spd="slow" p14:dur="1500" advClick="0" advTm="0">
         <p:random/>
       </p:transition>
     </mc:Choice>
-    <mc:Fallback>
+    <mc:Fallback xmlns="">
       <p:transition spd="slow" advClick="0" advTm="0">
         <p:random/>
       </p:transition>
@@ -2922,7 +3094,7 @@
             <a:fld id="{91AD7F68-8E1B-45E2-8A27-5D5DEAAB1BF2}" type="datetimeFigureOut">
               <a:rPr lang="zh-CN" altLang="en-US" smtClean="0"/>
               <a:pPr/>
-              <a:t>2018/5/28</a:t>
+              <a:t>2018/5/29</a:t>
             </a:fld>
             <a:endParaRPr lang="zh-CN" altLang="en-US"/>
           </a:p>
@@ -2974,20 +3146,20 @@
     </p:spTree>
     <p:extLst>
       <p:ext uri="{BB962C8B-B14F-4D97-AF65-F5344CB8AC3E}">
-        <p14:creationId xmlns:p14="http://schemas.microsoft.com/office/powerpoint/2010/main" xmlns="" val="2275436477"/>
+        <p14:creationId xmlns:p14="http://schemas.microsoft.com/office/powerpoint/2010/main" val="2275436477"/>
       </p:ext>
     </p:extLst>
   </p:cSld>
   <p:clrMapOvr>
     <a:masterClrMapping/>
   </p:clrMapOvr>
-  <mc:AlternateContent xmlns:mc="http://schemas.openxmlformats.org/markup-compatibility/2006">
-    <mc:Choice xmlns:p14="http://schemas.microsoft.com/office/powerpoint/2010/main" xmlns="" Requires="p14">
+  <mc:AlternateContent xmlns:mc="http://schemas.openxmlformats.org/markup-compatibility/2006" xmlns:p14="http://schemas.microsoft.com/office/powerpoint/2010/main">
+    <mc:Choice Requires="p14">
       <p:transition spd="slow" p14:dur="1500" advClick="0" advTm="0">
         <p:random/>
       </p:transition>
     </mc:Choice>
-    <mc:Fallback>
+    <mc:Fallback xmlns="">
       <p:transition spd="slow" advClick="0" advTm="0">
         <p:random/>
       </p:transition>
@@ -3188,7 +3360,7 @@
             <a:fld id="{91AD7F68-8E1B-45E2-8A27-5D5DEAAB1BF2}" type="datetimeFigureOut">
               <a:rPr lang="zh-CN" altLang="en-US" smtClean="0"/>
               <a:pPr/>
-              <a:t>2018/5/28</a:t>
+              <a:t>2018/5/29</a:t>
             </a:fld>
             <a:endParaRPr lang="zh-CN" altLang="en-US"/>
           </a:p>
@@ -3240,20 +3412,20 @@
     </p:spTree>
     <p:extLst>
       <p:ext uri="{BB962C8B-B14F-4D97-AF65-F5344CB8AC3E}">
-        <p14:creationId xmlns:p14="http://schemas.microsoft.com/office/powerpoint/2010/main" xmlns="" val="2724821356"/>
+        <p14:creationId xmlns:p14="http://schemas.microsoft.com/office/powerpoint/2010/main" val="2724821356"/>
       </p:ext>
     </p:extLst>
   </p:cSld>
   <p:clrMapOvr>
     <a:masterClrMapping/>
   </p:clrMapOvr>
-  <mc:AlternateContent xmlns:mc="http://schemas.openxmlformats.org/markup-compatibility/2006">
-    <mc:Choice xmlns:p14="http://schemas.microsoft.com/office/powerpoint/2010/main" xmlns="" Requires="p14">
+  <mc:AlternateContent xmlns:mc="http://schemas.openxmlformats.org/markup-compatibility/2006" xmlns:p14="http://schemas.microsoft.com/office/powerpoint/2010/main">
+    <mc:Choice Requires="p14">
       <p:transition spd="slow" p14:dur="1500" advClick="0" advTm="0">
         <p:random/>
       </p:transition>
     </mc:Choice>
-    <mc:Fallback>
+    <mc:Fallback xmlns="">
       <p:transition spd="slow" advClick="0" advTm="0">
         <p:random/>
       </p:transition>
@@ -3413,7 +3585,7 @@
             <a:fld id="{91AD7F68-8E1B-45E2-8A27-5D5DEAAB1BF2}" type="datetimeFigureOut">
               <a:rPr lang="zh-CN" altLang="en-US" smtClean="0"/>
               <a:pPr/>
-              <a:t>2018/5/28</a:t>
+              <a:t>2018/5/29</a:t>
             </a:fld>
             <a:endParaRPr lang="zh-CN" altLang="en-US"/>
           </a:p>
@@ -3501,7 +3673,7 @@
     </p:spTree>
     <p:extLst>
       <p:ext uri="{BB962C8B-B14F-4D97-AF65-F5344CB8AC3E}">
-        <p14:creationId xmlns:p14="http://schemas.microsoft.com/office/powerpoint/2010/main" xmlns="" val="666783823"/>
+        <p14:creationId xmlns:p14="http://schemas.microsoft.com/office/powerpoint/2010/main" val="666783823"/>
       </p:ext>
     </p:extLst>
   </p:cSld>
@@ -3519,13 +3691,13 @@
     <p:sldLayoutId id="2147483658" r:id="rId10"/>
     <p:sldLayoutId id="2147483659" r:id="rId11"/>
   </p:sldLayoutIdLst>
-  <mc:AlternateContent xmlns:mc="http://schemas.openxmlformats.org/markup-compatibility/2006">
-    <mc:Choice xmlns:p14="http://schemas.microsoft.com/office/powerpoint/2010/main" xmlns="" Requires="p14">
+  <mc:AlternateContent xmlns:mc="http://schemas.openxmlformats.org/markup-compatibility/2006" xmlns:p14="http://schemas.microsoft.com/office/powerpoint/2010/main">
+    <mc:Choice Requires="p14">
       <p:transition spd="slow" p14:dur="1500" advClick="0" advTm="0">
         <p:random/>
       </p:transition>
     </mc:Choice>
-    <mc:Fallback>
+    <mc:Fallback xmlns="">
       <p:transition spd="slow" advClick="0" advTm="0">
         <p:random/>
       </p:transition>
@@ -3843,7 +4015,7 @@
           <a:blip r:embed="rId3" cstate="print">
             <a:extLst>
               <a:ext uri="{28A0092B-C50C-407E-A947-70E740481C1C}">
-                <a14:useLocalDpi xmlns:a14="http://schemas.microsoft.com/office/drawing/2010/main" xmlns=""/>
+                <a14:useLocalDpi xmlns:a14="http://schemas.microsoft.com/office/drawing/2010/main"/>
               </a:ext>
             </a:extLst>
           </a:blip>
@@ -9417,7 +9589,7 @@
           <p:cNvPr id="9" name="TextBox 8">
             <a:extLst>
               <a:ext uri="{FF2B5EF4-FFF2-40B4-BE49-F238E27FC236}">
-                <a16:creationId xmlns:a16="http://schemas.microsoft.com/office/drawing/2014/main" xmlns="" id="{73C77ED2-C357-47B7-8381-585C44BF2B89}"/>
+                <a16:creationId xmlns:a16="http://schemas.microsoft.com/office/drawing/2014/main" id="{73C77ED2-C357-47B7-8381-585C44BF2B89}"/>
               </a:ext>
             </a:extLst>
           </p:cNvPr>
@@ -9442,7 +9614,7 @@
           <a:p>
             <a:pPr algn="ctr"/>
             <a:r>
-              <a:rPr lang="en-US" altLang="zh-CN" sz="8800" dirty="0" smtClean="0">
+              <a:rPr lang="en-US" altLang="zh-CN" sz="8800" dirty="0">
                 <a:solidFill>
                   <a:schemeClr val="bg1"/>
                 </a:solidFill>
@@ -9451,33 +9623,26 @@
               </a:rPr>
               <a:t>Maven 3.5</a:t>
             </a:r>
-            <a:endParaRPr lang="en-US" altLang="zh-CN" sz="8800" dirty="0" smtClean="0">
-              <a:solidFill>
-                <a:schemeClr val="bg1"/>
-              </a:solidFill>
-              <a:latin typeface="Aharoni" panose="02010803020104030203" pitchFamily="2" charset="-79"/>
-              <a:cs typeface="Aharoni" panose="02010803020104030203" pitchFamily="2" charset="-79"/>
-            </a:endParaRPr>
           </a:p>
         </p:txBody>
       </p:sp>
     </p:spTree>
     <p:extLst>
       <p:ext uri="{BB962C8B-B14F-4D97-AF65-F5344CB8AC3E}">
-        <p14:creationId xmlns:p14="http://schemas.microsoft.com/office/powerpoint/2010/main" xmlns="" val="656483861"/>
+        <p14:creationId xmlns:p14="http://schemas.microsoft.com/office/powerpoint/2010/main" val="656483861"/>
       </p:ext>
     </p:extLst>
   </p:cSld>
   <p:clrMapOvr>
     <a:masterClrMapping/>
   </p:clrMapOvr>
-  <mc:AlternateContent xmlns:mc="http://schemas.openxmlformats.org/markup-compatibility/2006">
-    <mc:Choice xmlns:p14="http://schemas.microsoft.com/office/powerpoint/2010/main" xmlns="" Requires="p14">
+  <mc:AlternateContent xmlns:mc="http://schemas.openxmlformats.org/markup-compatibility/2006" xmlns:p14="http://schemas.microsoft.com/office/powerpoint/2010/main">
+    <mc:Choice Requires="p14">
       <p:transition spd="slow" p14:dur="1500">
         <p:random/>
       </p:transition>
     </mc:Choice>
-    <mc:Fallback>
+    <mc:Fallback xmlns="">
       <p:transition spd="slow">
         <p:random/>
       </p:transition>
@@ -9971,7 +10136,7 @@
           <a:p>
             <a:pPr marL="0" lvl="1"/>
             <a:r>
-              <a:rPr lang="en-US" altLang="zh-CN" sz="2800" spc="300" dirty="0" smtClean="0">
+              <a:rPr lang="en-US" altLang="zh-CN" sz="2800" spc="300" dirty="0">
                 <a:solidFill>
                   <a:srgbClr val="0D4960"/>
                 </a:solidFill>
@@ -10050,109 +10215,76 @@
           <a:lstStyle/>
           <a:p>
             <a:r>
-              <a:rPr lang="en-US" altLang="zh-CN" sz="3200" dirty="0" smtClean="0"/>
+              <a:rPr lang="en-US" altLang="zh-CN" sz="3200" dirty="0"/>
               <a:t>Maven</a:t>
             </a:r>
             <a:r>
-              <a:rPr lang="zh-CN" altLang="en-US" sz="3200" dirty="0" smtClean="0"/>
+              <a:rPr lang="zh-CN" altLang="en-US" sz="3200" dirty="0"/>
               <a:t>不需要安装，下载解压即可。</a:t>
             </a:r>
-            <a:endParaRPr lang="en-US" altLang="zh-CN" sz="3200" dirty="0" smtClean="0"/>
+            <a:endParaRPr lang="en-US" altLang="zh-CN" sz="3200" dirty="0"/>
           </a:p>
           <a:p>
             <a:r>
-              <a:rPr lang="zh-CN" altLang="en-US" sz="3200" dirty="0" smtClean="0"/>
+              <a:rPr lang="zh-CN" altLang="en-US" sz="3200" dirty="0"/>
               <a:t>放置路径：</a:t>
             </a:r>
             <a:r>
-              <a:rPr lang="en-US" altLang="zh-CN" sz="3200" dirty="0" smtClean="0"/>
-              <a:t>T:\</a:t>
+              <a:rPr lang="en-US" altLang="zh-CN" sz="3200" dirty="0"/>
+              <a:t>T:\apache-maven-3.5.0</a:t>
+            </a:r>
+          </a:p>
+          <a:p>
+            <a:endParaRPr lang="en-US" altLang="zh-CN" sz="3200" dirty="0"/>
+          </a:p>
+          <a:p>
+            <a:r>
+              <a:rPr lang="zh-CN" altLang="en-US" sz="3200" dirty="0"/>
+              <a:t>添加环境变量：</a:t>
+            </a:r>
+            <a:endParaRPr lang="en-US" altLang="zh-CN" sz="3200" dirty="0"/>
+          </a:p>
+          <a:p>
+            <a:r>
+              <a:rPr lang="en-US" altLang="zh-CN" sz="3200" dirty="0"/>
+              <a:t>MAVEN_HOME = T:\apache-maven-3.5.0</a:t>
+            </a:r>
+          </a:p>
+          <a:p>
+            <a:r>
+              <a:rPr lang="en-US" altLang="zh-CN" sz="3200" dirty="0"/>
+              <a:t>M2_HOME = T:\apache-maven-3.5.0</a:t>
+            </a:r>
+          </a:p>
+          <a:p>
+            <a:r>
+              <a:rPr lang="zh-CN" altLang="en-US" sz="3200" dirty="0"/>
+              <a:t>追加</a:t>
             </a:r>
             <a:r>
-              <a:rPr lang="en-US" altLang="zh-CN" sz="3200" dirty="0" smtClean="0"/>
-              <a:t>apache-maven-3.5.0</a:t>
+              <a:rPr lang="en-US" altLang="zh-CN" sz="3200" dirty="0"/>
+              <a:t>PATH : % MAVEN_HOME % \bin;</a:t>
             </a:r>
-          </a:p>
-          <a:p>
-            <a:endParaRPr lang="en-US" altLang="zh-CN" sz="3200" dirty="0" smtClean="0"/>
-          </a:p>
-          <a:p>
-            <a:r>
-              <a:rPr lang="zh-CN" altLang="en-US" sz="3200" dirty="0" smtClean="0"/>
-              <a:t>添</a:t>
-            </a:r>
-            <a:r>
-              <a:rPr lang="zh-CN" altLang="en-US" sz="3200" dirty="0" smtClean="0"/>
-              <a:t>加环境变量：</a:t>
-            </a:r>
-            <a:endParaRPr lang="en-US" altLang="zh-CN" sz="3200" dirty="0" smtClean="0"/>
-          </a:p>
-          <a:p>
-            <a:r>
-              <a:rPr lang="en-US" altLang="zh-CN" sz="3200" dirty="0" smtClean="0"/>
-              <a:t>MAVEN_HOME </a:t>
-            </a:r>
-            <a:r>
-              <a:rPr lang="en-US" altLang="zh-CN" sz="3200" dirty="0" smtClean="0"/>
-              <a:t>= T:\</a:t>
-            </a:r>
-            <a:r>
-              <a:rPr lang="en-US" altLang="zh-CN" sz="3200" dirty="0" smtClean="0"/>
-              <a:t>apache-maven-3.5.0</a:t>
-            </a:r>
-          </a:p>
-          <a:p>
-            <a:r>
-              <a:rPr lang="en-US" altLang="zh-CN" sz="3200" dirty="0" smtClean="0"/>
-              <a:t>M2_HOME = T:\</a:t>
-            </a:r>
-            <a:r>
-              <a:rPr lang="en-US" altLang="zh-CN" sz="3200" dirty="0" smtClean="0"/>
-              <a:t>apache-maven-3.5.0</a:t>
-            </a:r>
-          </a:p>
-          <a:p>
-            <a:r>
-              <a:rPr lang="zh-CN" altLang="en-US" sz="3200" dirty="0" smtClean="0"/>
-              <a:t>追</a:t>
-            </a:r>
-            <a:r>
-              <a:rPr lang="zh-CN" altLang="en-US" sz="3200" dirty="0" smtClean="0"/>
-              <a:t>加</a:t>
-            </a:r>
-            <a:r>
-              <a:rPr lang="en-US" altLang="zh-CN" sz="3200" dirty="0" smtClean="0"/>
-              <a:t>PATH </a:t>
-            </a:r>
-            <a:r>
-              <a:rPr lang="en-US" altLang="zh-CN" sz="3200" dirty="0" smtClean="0"/>
-              <a:t>: % MAVEN_HOME % \</a:t>
-            </a:r>
-            <a:r>
-              <a:rPr lang="en-US" altLang="zh-CN" sz="3200" dirty="0" smtClean="0"/>
-              <a:t>bin;</a:t>
-            </a:r>
-            <a:endParaRPr lang="en-US" altLang="zh-CN" sz="3200" dirty="0" smtClean="0"/>
           </a:p>
         </p:txBody>
       </p:sp>
     </p:spTree>
     <p:extLst>
       <p:ext uri="{BB962C8B-B14F-4D97-AF65-F5344CB8AC3E}">
-        <p14:creationId xmlns:p14="http://schemas.microsoft.com/office/powerpoint/2010/main" xmlns="" val="264814506"/>
+        <p14:creationId xmlns:p14="http://schemas.microsoft.com/office/powerpoint/2010/main" val="264814506"/>
       </p:ext>
     </p:extLst>
   </p:cSld>
   <p:clrMapOvr>
     <a:masterClrMapping/>
   </p:clrMapOvr>
-  <mc:AlternateContent xmlns:mc="http://schemas.openxmlformats.org/markup-compatibility/2006">
-    <mc:Choice xmlns:p14="http://schemas.microsoft.com/office/powerpoint/2010/main" xmlns="" Requires="p14">
+  <mc:AlternateContent xmlns:mc="http://schemas.openxmlformats.org/markup-compatibility/2006" xmlns:p14="http://schemas.microsoft.com/office/powerpoint/2010/main">
+    <mc:Choice Requires="p14">
       <p:transition spd="slow" p14:dur="1500">
         <p:random/>
       </p:transition>
     </mc:Choice>
-    <mc:Fallback>
+    <mc:Fallback xmlns="">
       <p:transition spd="slow">
         <p:random/>
       </p:transition>
@@ -10577,7 +10709,7 @@
         <p:spPr>
           <a:xfrm>
             <a:off x="1418247" y="211364"/>
-            <a:ext cx="5306644" cy="503905"/>
+            <a:ext cx="8517490" cy="503905"/>
           </a:xfrm>
           <a:prstGeom prst="rect">
             <a:avLst/>
@@ -10592,14 +10724,34 @@
           <a:p>
             <a:pPr marL="0" lvl="1"/>
             <a:r>
-              <a:rPr lang="en-US" altLang="zh-CN" sz="2800" spc="300" dirty="0" smtClean="0">
+              <a:rPr lang="en-US" altLang="zh-CN" sz="2800" spc="300" dirty="0">
                 <a:solidFill>
                   <a:srgbClr val="0D4960"/>
                 </a:solidFill>
                 <a:latin typeface="方正尚酷简体" panose="03000509000000000000" pitchFamily="65" charset="-122"/>
                 <a:ea typeface="方正尚酷简体" panose="03000509000000000000" pitchFamily="65" charset="-122"/>
               </a:rPr>
-              <a:t>Commands</a:t>
+              <a:t>Settings (</a:t>
+            </a:r>
+            <a:r>
+              <a:rPr lang="en-US" altLang="zh-CN" sz="2800" spc="300" dirty="0" err="1">
+                <a:solidFill>
+                  <a:srgbClr val="0D4960"/>
+                </a:solidFill>
+                <a:latin typeface="方正尚酷简体" panose="03000509000000000000" pitchFamily="65" charset="-122"/>
+                <a:ea typeface="方正尚酷简体" panose="03000509000000000000" pitchFamily="65" charset="-122"/>
+              </a:rPr>
+              <a:t>conf</a:t>
+            </a:r>
+            <a:r>
+              <a:rPr lang="en-US" altLang="zh-CN" sz="2800" spc="300" dirty="0">
+                <a:solidFill>
+                  <a:srgbClr val="0D4960"/>
+                </a:solidFill>
+                <a:latin typeface="方正尚酷简体" panose="03000509000000000000" pitchFamily="65" charset="-122"/>
+                <a:ea typeface="方正尚酷简体" panose="03000509000000000000" pitchFamily="65" charset="-122"/>
+              </a:rPr>
+              <a:t>/settings.xml)</a:t>
             </a:r>
             <a:endParaRPr lang="zh-CN" altLang="en-US" sz="2800" spc="300" dirty="0">
               <a:solidFill>
@@ -10648,23 +10800,114 @@
           </a:fontRef>
         </p:style>
       </p:cxnSp>
+      <p:sp>
+        <p:nvSpPr>
+          <p:cNvPr id="3" name="TextBox 2">
+            <a:extLst>
+              <a:ext uri="{FF2B5EF4-FFF2-40B4-BE49-F238E27FC236}">
+                <a16:creationId xmlns:a16="http://schemas.microsoft.com/office/drawing/2014/main" id="{3D12AD8B-B0E9-43E0-990B-175F66FCAAF4}"/>
+              </a:ext>
+            </a:extLst>
+          </p:cNvPr>
+          <p:cNvSpPr txBox="1"/>
+          <p:nvPr/>
+        </p:nvSpPr>
+        <p:spPr>
+          <a:xfrm>
+            <a:off x="810839" y="947854"/>
+            <a:ext cx="6334683" cy="1200329"/>
+          </a:xfrm>
+          <a:prstGeom prst="rect">
+            <a:avLst/>
+          </a:prstGeom>
+          <a:noFill/>
+        </p:spPr>
+        <p:txBody>
+          <a:bodyPr wrap="none" rtlCol="0">
+            <a:spAutoFit/>
+          </a:bodyPr>
+          <a:lstStyle/>
+          <a:p>
+            <a:r>
+              <a:rPr lang="zh-CN" altLang="en-US" dirty="0"/>
+              <a:t>修改本地仓库地址</a:t>
+            </a:r>
+            <a:r>
+              <a:rPr lang="en-US" altLang="zh-CN" dirty="0"/>
+              <a:t>:</a:t>
+            </a:r>
+            <a:r>
+              <a:rPr lang="zh-CN" altLang="en-US" dirty="0"/>
+              <a:t> </a:t>
+            </a:r>
+            <a:endParaRPr lang="en-US" altLang="zh-CN" dirty="0"/>
+          </a:p>
+          <a:p>
+            <a:r>
+              <a:rPr lang="en-US" altLang="zh-CN" dirty="0"/>
+              <a:t>&lt;settings …&gt;</a:t>
+            </a:r>
+          </a:p>
+          <a:p>
+            <a:r>
+              <a:rPr lang="en-US" altLang="zh-CN" dirty="0"/>
+              <a:t>	&lt;</a:t>
+            </a:r>
+            <a:r>
+              <a:rPr lang="en-US" altLang="zh-CN" dirty="0" err="1"/>
+              <a:t>localRepository</a:t>
+            </a:r>
+            <a:r>
+              <a:rPr lang="en-US" altLang="zh-CN" dirty="0"/>
+              <a:t>&gt;C:\Works\</a:t>
+            </a:r>
+            <a:r>
+              <a:rPr lang="en-US" altLang="zh-CN" dirty="0" err="1"/>
+              <a:t>mvnrepo</a:t>
+            </a:r>
+            <a:r>
+              <a:rPr lang="en-US" altLang="zh-CN" dirty="0"/>
+              <a:t>&lt;/</a:t>
+            </a:r>
+            <a:r>
+              <a:rPr lang="en-US" altLang="zh-CN" dirty="0" err="1"/>
+              <a:t>localRepository</a:t>
+            </a:r>
+            <a:r>
+              <a:rPr lang="en-US" altLang="zh-CN" dirty="0"/>
+              <a:t>&gt;</a:t>
+            </a:r>
+          </a:p>
+          <a:p>
+            <a:r>
+              <a:rPr lang="en-US" dirty="0"/>
+              <a:t>&lt;</a:t>
+            </a:r>
+            <a:r>
+              <a:rPr lang="en-US" altLang="zh-CN" dirty="0"/>
+              <a:t>/settings&gt;</a:t>
+            </a:r>
+            <a:endParaRPr lang="en-US" dirty="0"/>
+          </a:p>
+        </p:txBody>
+      </p:sp>
     </p:spTree>
     <p:extLst>
       <p:ext uri="{BB962C8B-B14F-4D97-AF65-F5344CB8AC3E}">
-        <p14:creationId xmlns:p14="http://schemas.microsoft.com/office/powerpoint/2010/main" xmlns="" val="264814506"/>
+        <p14:creationId xmlns:p14="http://schemas.microsoft.com/office/powerpoint/2010/main" val="264814506"/>
       </p:ext>
     </p:extLst>
   </p:cSld>
   <p:clrMapOvr>
     <a:masterClrMapping/>
   </p:clrMapOvr>
-  <mc:AlternateContent xmlns:mc="http://schemas.openxmlformats.org/markup-compatibility/2006">
-    <mc:Choice xmlns:p14="http://schemas.microsoft.com/office/powerpoint/2010/main" xmlns="" Requires="p14">
+  <mc:AlternateContent xmlns:mc="http://schemas.openxmlformats.org/markup-compatibility/2006" xmlns:p14="http://schemas.microsoft.com/office/powerpoint/2010/main">
+    <mc:Choice Requires="p14">
       <p:transition spd="slow" p14:dur="1500">
         <p:random/>
       </p:transition>
     </mc:Choice>
-    <mc:Fallback>
+    <mc:Fallback xmlns="">
       <p:transition spd="slow">
         <p:random/>
       </p:transition>
@@ -11089,6 +11332,1196 @@
         <p:spPr>
           <a:xfrm>
             <a:off x="1418247" y="211364"/>
+            <a:ext cx="8517490" cy="503905"/>
+          </a:xfrm>
+          <a:prstGeom prst="rect">
+            <a:avLst/>
+          </a:prstGeom>
+          <a:noFill/>
+        </p:spPr>
+        <p:txBody>
+          <a:bodyPr wrap="square" lIns="72312" tIns="36156" rIns="72312" bIns="36156" rtlCol="0">
+            <a:spAutoFit/>
+          </a:bodyPr>
+          <a:lstStyle/>
+          <a:p>
+            <a:pPr marL="0" lvl="1"/>
+            <a:r>
+              <a:rPr lang="en-US" altLang="zh-CN" sz="2800" spc="300" dirty="0">
+                <a:solidFill>
+                  <a:srgbClr val="0D4960"/>
+                </a:solidFill>
+                <a:latin typeface="方正尚酷简体" panose="03000509000000000000" pitchFamily="65" charset="-122"/>
+                <a:ea typeface="方正尚酷简体" panose="03000509000000000000" pitchFamily="65" charset="-122"/>
+              </a:rPr>
+              <a:t>Commands</a:t>
+            </a:r>
+            <a:endParaRPr lang="zh-CN" altLang="en-US" sz="2800" spc="300" dirty="0">
+              <a:solidFill>
+                <a:srgbClr val="0D4960"/>
+              </a:solidFill>
+              <a:latin typeface="方正尚酷简体" panose="03000509000000000000" pitchFamily="65" charset="-122"/>
+              <a:ea typeface="方正尚酷简体" panose="03000509000000000000" pitchFamily="65" charset="-122"/>
+            </a:endParaRPr>
+          </a:p>
+        </p:txBody>
+      </p:sp>
+      <p:cxnSp>
+        <p:nvCxnSpPr>
+          <p:cNvPr id="17" name="3"/>
+          <p:cNvCxnSpPr/>
+          <p:nvPr/>
+        </p:nvCxnSpPr>
+        <p:spPr>
+          <a:xfrm>
+            <a:off x="1418247" y="761569"/>
+            <a:ext cx="10174106" cy="0"/>
+          </a:xfrm>
+          <a:prstGeom prst="line">
+            <a:avLst/>
+          </a:prstGeom>
+          <a:ln>
+            <a:solidFill>
+              <a:schemeClr val="bg1">
+                <a:lumMod val="75000"/>
+              </a:schemeClr>
+            </a:solidFill>
+          </a:ln>
+        </p:spPr>
+        <p:style>
+          <a:lnRef idx="1">
+            <a:schemeClr val="accent1"/>
+          </a:lnRef>
+          <a:fillRef idx="0">
+            <a:schemeClr val="accent1"/>
+          </a:fillRef>
+          <a:effectRef idx="0">
+            <a:schemeClr val="accent1"/>
+          </a:effectRef>
+          <a:fontRef idx="minor">
+            <a:schemeClr val="tx1"/>
+          </a:fontRef>
+        </p:style>
+      </p:cxnSp>
+      <p:sp>
+        <p:nvSpPr>
+          <p:cNvPr id="3" name="TextBox 2">
+            <a:extLst>
+              <a:ext uri="{FF2B5EF4-FFF2-40B4-BE49-F238E27FC236}">
+                <a16:creationId xmlns:a16="http://schemas.microsoft.com/office/drawing/2014/main" id="{3D12AD8B-B0E9-43E0-990B-175F66FCAAF4}"/>
+              </a:ext>
+            </a:extLst>
+          </p:cNvPr>
+          <p:cNvSpPr txBox="1"/>
+          <p:nvPr/>
+        </p:nvSpPr>
+        <p:spPr>
+          <a:xfrm>
+            <a:off x="810839" y="947854"/>
+            <a:ext cx="3349956" cy="2031325"/>
+          </a:xfrm>
+          <a:prstGeom prst="rect">
+            <a:avLst/>
+          </a:prstGeom>
+          <a:noFill/>
+        </p:spPr>
+        <p:txBody>
+          <a:bodyPr wrap="none" rtlCol="0">
+            <a:spAutoFit/>
+          </a:bodyPr>
+          <a:lstStyle/>
+          <a:p>
+            <a:r>
+              <a:rPr lang="zh-CN" altLang="en-US" dirty="0"/>
+              <a:t>新建： </a:t>
+            </a:r>
+            <a:r>
+              <a:rPr lang="en-US" dirty="0" err="1"/>
+              <a:t>mvn</a:t>
+            </a:r>
+            <a:r>
+              <a:rPr lang="en-US" dirty="0"/>
+              <a:t> </a:t>
+            </a:r>
+            <a:r>
+              <a:rPr lang="en-US" dirty="0" err="1"/>
+              <a:t>archetype:generate</a:t>
+            </a:r>
+            <a:endParaRPr lang="en-US" dirty="0"/>
+          </a:p>
+          <a:p>
+            <a:endParaRPr lang="en-US" dirty="0"/>
+          </a:p>
+          <a:p>
+            <a:r>
+              <a:rPr lang="zh-CN" altLang="en-US" dirty="0"/>
+              <a:t>更新</a:t>
+            </a:r>
+            <a:r>
+              <a:rPr lang="en-US" altLang="zh-CN" dirty="0"/>
+              <a:t>pom.xml</a:t>
+            </a:r>
+            <a:r>
+              <a:rPr lang="zh-CN" altLang="en-US"/>
+              <a:t>的修改：</a:t>
+            </a:r>
+            <a:r>
+              <a:rPr lang="en-US" altLang="zh-CN" dirty="0" err="1"/>
+              <a:t>mvn</a:t>
+            </a:r>
+            <a:r>
+              <a:rPr lang="en-US" altLang="zh-CN" dirty="0"/>
+              <a:t> clean</a:t>
+            </a:r>
+          </a:p>
+          <a:p>
+            <a:endParaRPr lang="en-US" dirty="0"/>
+          </a:p>
+          <a:p>
+            <a:r>
+              <a:rPr lang="zh-CN" altLang="en-US" dirty="0"/>
+              <a:t>编译：</a:t>
+            </a:r>
+            <a:r>
+              <a:rPr lang="en-US" altLang="zh-CN" dirty="0" err="1"/>
+              <a:t>mvn</a:t>
+            </a:r>
+            <a:r>
+              <a:rPr lang="en-US" altLang="zh-CN" dirty="0"/>
+              <a:t> compile</a:t>
+            </a:r>
+          </a:p>
+          <a:p>
+            <a:endParaRPr lang="en-US" dirty="0"/>
+          </a:p>
+          <a:p>
+            <a:r>
+              <a:rPr lang="zh-CN" altLang="en-US" dirty="0"/>
+              <a:t>打包：</a:t>
+            </a:r>
+            <a:r>
+              <a:rPr lang="en-US" altLang="zh-CN" dirty="0" err="1"/>
+              <a:t>mvn</a:t>
+            </a:r>
+            <a:r>
+              <a:rPr lang="en-US" altLang="zh-CN" dirty="0"/>
+              <a:t> package</a:t>
+            </a:r>
+            <a:endParaRPr lang="en-US" dirty="0"/>
+          </a:p>
+        </p:txBody>
+      </p:sp>
+    </p:spTree>
+    <p:extLst>
+      <p:ext uri="{BB962C8B-B14F-4D97-AF65-F5344CB8AC3E}">
+        <p14:creationId xmlns:p14="http://schemas.microsoft.com/office/powerpoint/2010/main" val="1294057285"/>
+      </p:ext>
+    </p:extLst>
+  </p:cSld>
+  <p:clrMapOvr>
+    <a:masterClrMapping/>
+  </p:clrMapOvr>
+  <mc:AlternateContent xmlns:mc="http://schemas.openxmlformats.org/markup-compatibility/2006" xmlns:p14="http://schemas.microsoft.com/office/powerpoint/2010/main">
+    <mc:Choice Requires="p14">
+      <p:transition spd="slow" p14:dur="1500">
+        <p:random/>
+      </p:transition>
+    </mc:Choice>
+    <mc:Fallback xmlns="">
+      <p:transition spd="slow">
+        <p:random/>
+      </p:transition>
+    </mc:Fallback>
+  </mc:AlternateContent>
+  <p:timing>
+    <p:tnLst>
+      <p:par>
+        <p:cTn id="1" dur="indefinite" restart="never" nodeType="tmRoot">
+          <p:childTnLst>
+            <p:seq concurrent="1" nextAc="seek">
+              <p:cTn id="2" dur="indefinite" nodeType="mainSeq">
+                <p:childTnLst>
+                  <p:par>
+                    <p:cTn id="3" fill="hold">
+                      <p:stCondLst>
+                        <p:cond delay="indefinite"/>
+                        <p:cond evt="onBegin" delay="0">
+                          <p:tn val="2"/>
+                        </p:cond>
+                      </p:stCondLst>
+                      <p:childTnLst>
+                        <p:par>
+                          <p:cTn id="4" fill="hold">
+                            <p:stCondLst>
+                              <p:cond delay="0"/>
+                            </p:stCondLst>
+                            <p:childTnLst>
+                              <p:par>
+                                <p:cTn id="5" presetID="2" presetClass="entr" presetSubtype="8" fill="hold" nodeType="afterEffect">
+                                  <p:stCondLst>
+                                    <p:cond delay="0"/>
+                                  </p:stCondLst>
+                                  <p:childTnLst>
+                                    <p:set>
+                                      <p:cBhvr>
+                                        <p:cTn id="6" dur="1" fill="hold">
+                                          <p:stCondLst>
+                                            <p:cond delay="0"/>
+                                          </p:stCondLst>
+                                        </p:cTn>
+                                        <p:tgtEl>
+                                          <p:spTgt spid="2"/>
+                                        </p:tgtEl>
+                                        <p:attrNameLst>
+                                          <p:attrName>style.visibility</p:attrName>
+                                        </p:attrNameLst>
+                                      </p:cBhvr>
+                                      <p:to>
+                                        <p:strVal val="visible"/>
+                                      </p:to>
+                                    </p:set>
+                                    <p:anim calcmode="lin" valueType="num">
+                                      <p:cBhvr additive="base">
+                                        <p:cTn id="7" dur="750" fill="hold"/>
+                                        <p:tgtEl>
+                                          <p:spTgt spid="2"/>
+                                        </p:tgtEl>
+                                        <p:attrNameLst>
+                                          <p:attrName>ppt_x</p:attrName>
+                                        </p:attrNameLst>
+                                      </p:cBhvr>
+                                      <p:tavLst>
+                                        <p:tav tm="0">
+                                          <p:val>
+                                            <p:strVal val="0-#ppt_w/2"/>
+                                          </p:val>
+                                        </p:tav>
+                                        <p:tav tm="100000">
+                                          <p:val>
+                                            <p:strVal val="#ppt_x"/>
+                                          </p:val>
+                                        </p:tav>
+                                      </p:tavLst>
+                                    </p:anim>
+                                    <p:anim calcmode="lin" valueType="num">
+                                      <p:cBhvr additive="base">
+                                        <p:cTn id="8" dur="750" fill="hold"/>
+                                        <p:tgtEl>
+                                          <p:spTgt spid="2"/>
+                                        </p:tgtEl>
+                                        <p:attrNameLst>
+                                          <p:attrName>ppt_y</p:attrName>
+                                        </p:attrNameLst>
+                                      </p:cBhvr>
+                                      <p:tavLst>
+                                        <p:tav tm="0">
+                                          <p:val>
+                                            <p:strVal val="#ppt_y"/>
+                                          </p:val>
+                                        </p:tav>
+                                        <p:tav tm="100000">
+                                          <p:val>
+                                            <p:strVal val="#ppt_y"/>
+                                          </p:val>
+                                        </p:tav>
+                                      </p:tavLst>
+                                    </p:anim>
+                                  </p:childTnLst>
+                                </p:cTn>
+                              </p:par>
+                            </p:childTnLst>
+                          </p:cTn>
+                        </p:par>
+                        <p:par>
+                          <p:cTn id="9" fill="hold">
+                            <p:stCondLst>
+                              <p:cond delay="750"/>
+                            </p:stCondLst>
+                            <p:childTnLst>
+                              <p:par>
+                                <p:cTn id="10" presetID="53" presetClass="entr" presetSubtype="16" fill="hold" grpId="0" nodeType="afterEffect">
+                                  <p:stCondLst>
+                                    <p:cond delay="0"/>
+                                  </p:stCondLst>
+                                  <p:iterate type="lt">
+                                    <p:tmPct val="10000"/>
+                                  </p:iterate>
+                                  <p:childTnLst>
+                                    <p:set>
+                                      <p:cBhvr>
+                                        <p:cTn id="11" dur="1" fill="hold">
+                                          <p:stCondLst>
+                                            <p:cond delay="0"/>
+                                          </p:stCondLst>
+                                        </p:cTn>
+                                        <p:tgtEl>
+                                          <p:spTgt spid="16"/>
+                                        </p:tgtEl>
+                                        <p:attrNameLst>
+                                          <p:attrName>style.visibility</p:attrName>
+                                        </p:attrNameLst>
+                                      </p:cBhvr>
+                                      <p:to>
+                                        <p:strVal val="visible"/>
+                                      </p:to>
+                                    </p:set>
+                                    <p:anim calcmode="lin" valueType="num">
+                                      <p:cBhvr>
+                                        <p:cTn id="12" dur="500" fill="hold"/>
+                                        <p:tgtEl>
+                                          <p:spTgt spid="16"/>
+                                        </p:tgtEl>
+                                        <p:attrNameLst>
+                                          <p:attrName>ppt_w</p:attrName>
+                                        </p:attrNameLst>
+                                      </p:cBhvr>
+                                      <p:tavLst>
+                                        <p:tav tm="0">
+                                          <p:val>
+                                            <p:fltVal val="0"/>
+                                          </p:val>
+                                        </p:tav>
+                                        <p:tav tm="100000">
+                                          <p:val>
+                                            <p:strVal val="#ppt_w"/>
+                                          </p:val>
+                                        </p:tav>
+                                      </p:tavLst>
+                                    </p:anim>
+                                    <p:anim calcmode="lin" valueType="num">
+                                      <p:cBhvr>
+                                        <p:cTn id="13" dur="500" fill="hold"/>
+                                        <p:tgtEl>
+                                          <p:spTgt spid="16"/>
+                                        </p:tgtEl>
+                                        <p:attrNameLst>
+                                          <p:attrName>ppt_h</p:attrName>
+                                        </p:attrNameLst>
+                                      </p:cBhvr>
+                                      <p:tavLst>
+                                        <p:tav tm="0">
+                                          <p:val>
+                                            <p:fltVal val="0"/>
+                                          </p:val>
+                                        </p:tav>
+                                        <p:tav tm="100000">
+                                          <p:val>
+                                            <p:strVal val="#ppt_h"/>
+                                          </p:val>
+                                        </p:tav>
+                                      </p:tavLst>
+                                    </p:anim>
+                                    <p:animEffect transition="in" filter="fade">
+                                      <p:cBhvr>
+                                        <p:cTn id="14" dur="500"/>
+                                        <p:tgtEl>
+                                          <p:spTgt spid="16"/>
+                                        </p:tgtEl>
+                                      </p:cBhvr>
+                                    </p:animEffect>
+                                  </p:childTnLst>
+                                </p:cTn>
+                              </p:par>
+                              <p:par>
+                                <p:cTn id="15" presetID="22" presetClass="entr" presetSubtype="2" fill="hold" nodeType="withEffect">
+                                  <p:stCondLst>
+                                    <p:cond delay="250"/>
+                                  </p:stCondLst>
+                                  <p:childTnLst>
+                                    <p:set>
+                                      <p:cBhvr>
+                                        <p:cTn id="16" dur="1" fill="hold">
+                                          <p:stCondLst>
+                                            <p:cond delay="0"/>
+                                          </p:stCondLst>
+                                        </p:cTn>
+                                        <p:tgtEl>
+                                          <p:spTgt spid="17"/>
+                                        </p:tgtEl>
+                                        <p:attrNameLst>
+                                          <p:attrName>style.visibility</p:attrName>
+                                        </p:attrNameLst>
+                                      </p:cBhvr>
+                                      <p:to>
+                                        <p:strVal val="visible"/>
+                                      </p:to>
+                                    </p:set>
+                                    <p:animEffect transition="in" filter="wipe(right)">
+                                      <p:cBhvr>
+                                        <p:cTn id="17" dur="750"/>
+                                        <p:tgtEl>
+                                          <p:spTgt spid="17"/>
+                                        </p:tgtEl>
+                                      </p:cBhvr>
+                                    </p:animEffect>
+                                  </p:childTnLst>
+                                </p:cTn>
+                              </p:par>
+                            </p:childTnLst>
+                          </p:cTn>
+                        </p:par>
+                      </p:childTnLst>
+                    </p:cTn>
+                  </p:par>
+                </p:childTnLst>
+              </p:cTn>
+              <p:prevCondLst>
+                <p:cond evt="onPrev" delay="0">
+                  <p:tgtEl>
+                    <p:sldTgt/>
+                  </p:tgtEl>
+                </p:cond>
+              </p:prevCondLst>
+              <p:nextCondLst>
+                <p:cond evt="onNext" delay="0">
+                  <p:tgtEl>
+                    <p:sldTgt/>
+                  </p:tgtEl>
+                </p:cond>
+              </p:nextCondLst>
+            </p:seq>
+          </p:childTnLst>
+        </p:cTn>
+      </p:par>
+    </p:tnLst>
+    <p:bldLst>
+      <p:bldP spid="16" grpId="0"/>
+    </p:bldLst>
+  </p:timing>
+</p:sld>
+</file>
+
+<file path=ppt/slides/slide5.xml><?xml version="1.0" encoding="utf-8"?>
+<p:sld xmlns:a="http://schemas.openxmlformats.org/drawingml/2006/main" xmlns:r="http://schemas.openxmlformats.org/officeDocument/2006/relationships" xmlns:p="http://schemas.openxmlformats.org/presentationml/2006/main">
+  <p:cSld>
+    <p:spTree>
+      <p:nvGrpSpPr>
+        <p:cNvPr id="1" name=""/>
+        <p:cNvGrpSpPr/>
+        <p:nvPr/>
+      </p:nvGrpSpPr>
+      <p:grpSpPr>
+        <a:xfrm>
+          <a:off x="0" y="0"/>
+          <a:ext cx="0" cy="0"/>
+          <a:chOff x="0" y="0"/>
+          <a:chExt cx="0" cy="0"/>
+        </a:xfrm>
+      </p:grpSpPr>
+      <p:grpSp>
+        <p:nvGrpSpPr>
+          <p:cNvPr id="2" name="1"/>
+          <p:cNvGrpSpPr/>
+          <p:nvPr/>
+        </p:nvGrpSpPr>
+        <p:grpSpPr>
+          <a:xfrm>
+            <a:off x="583060" y="342545"/>
+            <a:ext cx="637243" cy="227778"/>
+            <a:chOff x="264939" y="188640"/>
+            <a:chExt cx="604358" cy="216024"/>
+          </a:xfrm>
+          <a:solidFill>
+            <a:srgbClr val="0D4960"/>
+          </a:solidFill>
+        </p:grpSpPr>
+        <p:sp>
+          <p:nvSpPr>
+            <p:cNvPr id="13" name="燕尾形 12"/>
+            <p:cNvSpPr/>
+            <p:nvPr/>
+          </p:nvSpPr>
+          <p:spPr>
+            <a:xfrm>
+              <a:off x="264939" y="188640"/>
+              <a:ext cx="216024" cy="216024"/>
+            </a:xfrm>
+            <a:prstGeom prst="chevron">
+              <a:avLst/>
+            </a:prstGeom>
+            <a:grpFill/>
+            <a:ln>
+              <a:noFill/>
+            </a:ln>
+            <a:effectLst>
+              <a:outerShdw blurRad="63500" algn="ctr" rotWithShape="0">
+                <a:prstClr val="black">
+                  <a:alpha val="40000"/>
+                </a:prstClr>
+              </a:outerShdw>
+            </a:effectLst>
+          </p:spPr>
+          <p:txBody>
+            <a:bodyPr lIns="0" tIns="0" rIns="0" bIns="0" anchor="ctr"/>
+            <a:lstStyle/>
+            <a:p>
+              <a:endParaRPr lang="zh-CN" altLang="en-US" sz="900">
+                <a:solidFill>
+                  <a:srgbClr val="0070C0"/>
+                </a:solidFill>
+                <a:cs typeface="+mn-ea"/>
+              </a:endParaRPr>
+            </a:p>
+          </p:txBody>
+        </p:sp>
+        <p:sp>
+          <p:nvSpPr>
+            <p:cNvPr id="14" name="燕尾形 13"/>
+            <p:cNvSpPr/>
+            <p:nvPr/>
+          </p:nvSpPr>
+          <p:spPr>
+            <a:xfrm>
+              <a:off x="454914" y="188640"/>
+              <a:ext cx="216024" cy="216024"/>
+            </a:xfrm>
+            <a:prstGeom prst="chevron">
+              <a:avLst/>
+            </a:prstGeom>
+            <a:grpFill/>
+            <a:ln>
+              <a:noFill/>
+            </a:ln>
+            <a:effectLst>
+              <a:outerShdw blurRad="63500" algn="ctr" rotWithShape="0">
+                <a:prstClr val="black">
+                  <a:alpha val="40000"/>
+                </a:prstClr>
+              </a:outerShdw>
+            </a:effectLst>
+          </p:spPr>
+          <p:txBody>
+            <a:bodyPr lIns="0" tIns="0" rIns="0" bIns="0" anchor="ctr"/>
+            <a:lstStyle/>
+            <a:p>
+              <a:endParaRPr lang="zh-CN" altLang="en-US" sz="900">
+                <a:solidFill>
+                  <a:srgbClr val="0070C0"/>
+                </a:solidFill>
+                <a:cs typeface="+mn-ea"/>
+              </a:endParaRPr>
+            </a:p>
+          </p:txBody>
+        </p:sp>
+        <p:sp>
+          <p:nvSpPr>
+            <p:cNvPr id="15" name="燕尾形 14"/>
+            <p:cNvSpPr/>
+            <p:nvPr/>
+          </p:nvSpPr>
+          <p:spPr>
+            <a:xfrm>
+              <a:off x="653273" y="188640"/>
+              <a:ext cx="216024" cy="216024"/>
+            </a:xfrm>
+            <a:prstGeom prst="chevron">
+              <a:avLst/>
+            </a:prstGeom>
+            <a:grpFill/>
+            <a:ln>
+              <a:noFill/>
+            </a:ln>
+            <a:effectLst>
+              <a:outerShdw blurRad="63500" algn="ctr" rotWithShape="0">
+                <a:prstClr val="black">
+                  <a:alpha val="40000"/>
+                </a:prstClr>
+              </a:outerShdw>
+            </a:effectLst>
+          </p:spPr>
+          <p:txBody>
+            <a:bodyPr lIns="0" tIns="0" rIns="0" bIns="0" anchor="ctr"/>
+            <a:lstStyle/>
+            <a:p>
+              <a:endParaRPr lang="zh-CN" altLang="en-US" sz="900">
+                <a:solidFill>
+                  <a:srgbClr val="0070C0"/>
+                </a:solidFill>
+                <a:cs typeface="+mn-ea"/>
+              </a:endParaRPr>
+            </a:p>
+          </p:txBody>
+        </p:sp>
+      </p:grpSp>
+      <p:sp>
+        <p:nvSpPr>
+          <p:cNvPr id="16" name="2"/>
+          <p:cNvSpPr txBox="1"/>
+          <p:nvPr/>
+        </p:nvSpPr>
+        <p:spPr>
+          <a:xfrm>
+            <a:off x="1418247" y="211364"/>
+            <a:ext cx="8517490" cy="503905"/>
+          </a:xfrm>
+          <a:prstGeom prst="rect">
+            <a:avLst/>
+          </a:prstGeom>
+          <a:noFill/>
+        </p:spPr>
+        <p:txBody>
+          <a:bodyPr wrap="square" lIns="72312" tIns="36156" rIns="72312" bIns="36156" rtlCol="0">
+            <a:spAutoFit/>
+          </a:bodyPr>
+          <a:lstStyle/>
+          <a:p>
+            <a:pPr marL="0" lvl="1"/>
+            <a:r>
+              <a:rPr lang="en-US" altLang="zh-CN" sz="2800" spc="300" dirty="0">
+                <a:solidFill>
+                  <a:srgbClr val="0D4960"/>
+                </a:solidFill>
+                <a:latin typeface="方正尚酷简体" panose="03000509000000000000" pitchFamily="65" charset="-122"/>
+                <a:ea typeface="方正尚酷简体" panose="03000509000000000000" pitchFamily="65" charset="-122"/>
+              </a:rPr>
+              <a:t>Eclipse Maven</a:t>
+            </a:r>
+            <a:endParaRPr lang="zh-CN" altLang="en-US" sz="2800" spc="300" dirty="0">
+              <a:solidFill>
+                <a:srgbClr val="0D4960"/>
+              </a:solidFill>
+              <a:latin typeface="方正尚酷简体" panose="03000509000000000000" pitchFamily="65" charset="-122"/>
+              <a:ea typeface="方正尚酷简体" panose="03000509000000000000" pitchFamily="65" charset="-122"/>
+            </a:endParaRPr>
+          </a:p>
+        </p:txBody>
+      </p:sp>
+      <p:cxnSp>
+        <p:nvCxnSpPr>
+          <p:cNvPr id="17" name="3"/>
+          <p:cNvCxnSpPr/>
+          <p:nvPr/>
+        </p:nvCxnSpPr>
+        <p:spPr>
+          <a:xfrm>
+            <a:off x="1418247" y="761569"/>
+            <a:ext cx="10174106" cy="0"/>
+          </a:xfrm>
+          <a:prstGeom prst="line">
+            <a:avLst/>
+          </a:prstGeom>
+          <a:ln>
+            <a:solidFill>
+              <a:schemeClr val="bg1">
+                <a:lumMod val="75000"/>
+              </a:schemeClr>
+            </a:solidFill>
+          </a:ln>
+        </p:spPr>
+        <p:style>
+          <a:lnRef idx="1">
+            <a:schemeClr val="accent1"/>
+          </a:lnRef>
+          <a:fillRef idx="0">
+            <a:schemeClr val="accent1"/>
+          </a:fillRef>
+          <a:effectRef idx="0">
+            <a:schemeClr val="accent1"/>
+          </a:effectRef>
+          <a:fontRef idx="minor">
+            <a:schemeClr val="tx1"/>
+          </a:fontRef>
+        </p:style>
+      </p:cxnSp>
+      <p:sp>
+        <p:nvSpPr>
+          <p:cNvPr id="4" name="Rectangle 3">
+            <a:extLst>
+              <a:ext uri="{FF2B5EF4-FFF2-40B4-BE49-F238E27FC236}">
+                <a16:creationId xmlns:a16="http://schemas.microsoft.com/office/drawing/2014/main" id="{E3259821-CB9D-4728-9A40-E875E3CAEEF0}"/>
+              </a:ext>
+            </a:extLst>
+          </p:cNvPr>
+          <p:cNvSpPr/>
+          <p:nvPr/>
+        </p:nvSpPr>
+        <p:spPr>
+          <a:xfrm>
+            <a:off x="783373" y="1092821"/>
+            <a:ext cx="7189750" cy="936693"/>
+          </a:xfrm>
+          <a:prstGeom prst="rect">
+            <a:avLst/>
+          </a:prstGeom>
+        </p:spPr>
+        <p:style>
+          <a:lnRef idx="2">
+            <a:schemeClr val="accent6"/>
+          </a:lnRef>
+          <a:fillRef idx="1">
+            <a:schemeClr val="lt1"/>
+          </a:fillRef>
+          <a:effectRef idx="0">
+            <a:schemeClr val="accent6"/>
+          </a:effectRef>
+          <a:fontRef idx="minor">
+            <a:schemeClr val="dk1"/>
+          </a:fontRef>
+        </p:style>
+        <p:txBody>
+          <a:bodyPr rtlCol="0" anchor="t"/>
+          <a:lstStyle/>
+          <a:p>
+            <a:r>
+              <a:rPr lang="en-US" dirty="0"/>
+              <a:t>Window &gt;&gt; Preferences &gt;&gt; Maven &gt;&gt; Installations &gt;&gt; Add</a:t>
+            </a:r>
+          </a:p>
+          <a:p>
+            <a:r>
+              <a:rPr lang="en-US" dirty="0"/>
+              <a:t>			        &gt;&gt; User Settings  &gt;&gt; Global Settings</a:t>
+            </a:r>
+          </a:p>
+          <a:p>
+            <a:r>
+              <a:rPr lang="en-US" dirty="0"/>
+              <a:t>					    &gt;&gt; User Settings</a:t>
+            </a:r>
+          </a:p>
+        </p:txBody>
+      </p:sp>
+    </p:spTree>
+    <p:extLst>
+      <p:ext uri="{BB962C8B-B14F-4D97-AF65-F5344CB8AC3E}">
+        <p14:creationId xmlns:p14="http://schemas.microsoft.com/office/powerpoint/2010/main" val="1746094027"/>
+      </p:ext>
+    </p:extLst>
+  </p:cSld>
+  <p:clrMapOvr>
+    <a:masterClrMapping/>
+  </p:clrMapOvr>
+  <mc:AlternateContent xmlns:mc="http://schemas.openxmlformats.org/markup-compatibility/2006" xmlns:p14="http://schemas.microsoft.com/office/powerpoint/2010/main">
+    <mc:Choice Requires="p14">
+      <p:transition spd="slow" p14:dur="1500">
+        <p:random/>
+      </p:transition>
+    </mc:Choice>
+    <mc:Fallback xmlns="">
+      <p:transition spd="slow">
+        <p:random/>
+      </p:transition>
+    </mc:Fallback>
+  </mc:AlternateContent>
+  <p:timing>
+    <p:tnLst>
+      <p:par>
+        <p:cTn id="1" dur="indefinite" restart="never" nodeType="tmRoot">
+          <p:childTnLst>
+            <p:seq concurrent="1" nextAc="seek">
+              <p:cTn id="2" dur="indefinite" nodeType="mainSeq">
+                <p:childTnLst>
+                  <p:par>
+                    <p:cTn id="3" fill="hold">
+                      <p:stCondLst>
+                        <p:cond delay="indefinite"/>
+                        <p:cond evt="onBegin" delay="0">
+                          <p:tn val="2"/>
+                        </p:cond>
+                      </p:stCondLst>
+                      <p:childTnLst>
+                        <p:par>
+                          <p:cTn id="4" fill="hold">
+                            <p:stCondLst>
+                              <p:cond delay="0"/>
+                            </p:stCondLst>
+                            <p:childTnLst>
+                              <p:par>
+                                <p:cTn id="5" presetID="2" presetClass="entr" presetSubtype="8" fill="hold" nodeType="afterEffect">
+                                  <p:stCondLst>
+                                    <p:cond delay="0"/>
+                                  </p:stCondLst>
+                                  <p:childTnLst>
+                                    <p:set>
+                                      <p:cBhvr>
+                                        <p:cTn id="6" dur="1" fill="hold">
+                                          <p:stCondLst>
+                                            <p:cond delay="0"/>
+                                          </p:stCondLst>
+                                        </p:cTn>
+                                        <p:tgtEl>
+                                          <p:spTgt spid="2"/>
+                                        </p:tgtEl>
+                                        <p:attrNameLst>
+                                          <p:attrName>style.visibility</p:attrName>
+                                        </p:attrNameLst>
+                                      </p:cBhvr>
+                                      <p:to>
+                                        <p:strVal val="visible"/>
+                                      </p:to>
+                                    </p:set>
+                                    <p:anim calcmode="lin" valueType="num">
+                                      <p:cBhvr additive="base">
+                                        <p:cTn id="7" dur="750" fill="hold"/>
+                                        <p:tgtEl>
+                                          <p:spTgt spid="2"/>
+                                        </p:tgtEl>
+                                        <p:attrNameLst>
+                                          <p:attrName>ppt_x</p:attrName>
+                                        </p:attrNameLst>
+                                      </p:cBhvr>
+                                      <p:tavLst>
+                                        <p:tav tm="0">
+                                          <p:val>
+                                            <p:strVal val="0-#ppt_w/2"/>
+                                          </p:val>
+                                        </p:tav>
+                                        <p:tav tm="100000">
+                                          <p:val>
+                                            <p:strVal val="#ppt_x"/>
+                                          </p:val>
+                                        </p:tav>
+                                      </p:tavLst>
+                                    </p:anim>
+                                    <p:anim calcmode="lin" valueType="num">
+                                      <p:cBhvr additive="base">
+                                        <p:cTn id="8" dur="750" fill="hold"/>
+                                        <p:tgtEl>
+                                          <p:spTgt spid="2"/>
+                                        </p:tgtEl>
+                                        <p:attrNameLst>
+                                          <p:attrName>ppt_y</p:attrName>
+                                        </p:attrNameLst>
+                                      </p:cBhvr>
+                                      <p:tavLst>
+                                        <p:tav tm="0">
+                                          <p:val>
+                                            <p:strVal val="#ppt_y"/>
+                                          </p:val>
+                                        </p:tav>
+                                        <p:tav tm="100000">
+                                          <p:val>
+                                            <p:strVal val="#ppt_y"/>
+                                          </p:val>
+                                        </p:tav>
+                                      </p:tavLst>
+                                    </p:anim>
+                                  </p:childTnLst>
+                                </p:cTn>
+                              </p:par>
+                            </p:childTnLst>
+                          </p:cTn>
+                        </p:par>
+                        <p:par>
+                          <p:cTn id="9" fill="hold">
+                            <p:stCondLst>
+                              <p:cond delay="750"/>
+                            </p:stCondLst>
+                            <p:childTnLst>
+                              <p:par>
+                                <p:cTn id="10" presetID="53" presetClass="entr" presetSubtype="16" fill="hold" grpId="0" nodeType="afterEffect">
+                                  <p:stCondLst>
+                                    <p:cond delay="0"/>
+                                  </p:stCondLst>
+                                  <p:iterate type="lt">
+                                    <p:tmPct val="10000"/>
+                                  </p:iterate>
+                                  <p:childTnLst>
+                                    <p:set>
+                                      <p:cBhvr>
+                                        <p:cTn id="11" dur="1" fill="hold">
+                                          <p:stCondLst>
+                                            <p:cond delay="0"/>
+                                          </p:stCondLst>
+                                        </p:cTn>
+                                        <p:tgtEl>
+                                          <p:spTgt spid="16"/>
+                                        </p:tgtEl>
+                                        <p:attrNameLst>
+                                          <p:attrName>style.visibility</p:attrName>
+                                        </p:attrNameLst>
+                                      </p:cBhvr>
+                                      <p:to>
+                                        <p:strVal val="visible"/>
+                                      </p:to>
+                                    </p:set>
+                                    <p:anim calcmode="lin" valueType="num">
+                                      <p:cBhvr>
+                                        <p:cTn id="12" dur="500" fill="hold"/>
+                                        <p:tgtEl>
+                                          <p:spTgt spid="16"/>
+                                        </p:tgtEl>
+                                        <p:attrNameLst>
+                                          <p:attrName>ppt_w</p:attrName>
+                                        </p:attrNameLst>
+                                      </p:cBhvr>
+                                      <p:tavLst>
+                                        <p:tav tm="0">
+                                          <p:val>
+                                            <p:fltVal val="0"/>
+                                          </p:val>
+                                        </p:tav>
+                                        <p:tav tm="100000">
+                                          <p:val>
+                                            <p:strVal val="#ppt_w"/>
+                                          </p:val>
+                                        </p:tav>
+                                      </p:tavLst>
+                                    </p:anim>
+                                    <p:anim calcmode="lin" valueType="num">
+                                      <p:cBhvr>
+                                        <p:cTn id="13" dur="500" fill="hold"/>
+                                        <p:tgtEl>
+                                          <p:spTgt spid="16"/>
+                                        </p:tgtEl>
+                                        <p:attrNameLst>
+                                          <p:attrName>ppt_h</p:attrName>
+                                        </p:attrNameLst>
+                                      </p:cBhvr>
+                                      <p:tavLst>
+                                        <p:tav tm="0">
+                                          <p:val>
+                                            <p:fltVal val="0"/>
+                                          </p:val>
+                                        </p:tav>
+                                        <p:tav tm="100000">
+                                          <p:val>
+                                            <p:strVal val="#ppt_h"/>
+                                          </p:val>
+                                        </p:tav>
+                                      </p:tavLst>
+                                    </p:anim>
+                                    <p:animEffect transition="in" filter="fade">
+                                      <p:cBhvr>
+                                        <p:cTn id="14" dur="500"/>
+                                        <p:tgtEl>
+                                          <p:spTgt spid="16"/>
+                                        </p:tgtEl>
+                                      </p:cBhvr>
+                                    </p:animEffect>
+                                  </p:childTnLst>
+                                </p:cTn>
+                              </p:par>
+                              <p:par>
+                                <p:cTn id="15" presetID="22" presetClass="entr" presetSubtype="2" fill="hold" nodeType="withEffect">
+                                  <p:stCondLst>
+                                    <p:cond delay="250"/>
+                                  </p:stCondLst>
+                                  <p:childTnLst>
+                                    <p:set>
+                                      <p:cBhvr>
+                                        <p:cTn id="16" dur="1" fill="hold">
+                                          <p:stCondLst>
+                                            <p:cond delay="0"/>
+                                          </p:stCondLst>
+                                        </p:cTn>
+                                        <p:tgtEl>
+                                          <p:spTgt spid="17"/>
+                                        </p:tgtEl>
+                                        <p:attrNameLst>
+                                          <p:attrName>style.visibility</p:attrName>
+                                        </p:attrNameLst>
+                                      </p:cBhvr>
+                                      <p:to>
+                                        <p:strVal val="visible"/>
+                                      </p:to>
+                                    </p:set>
+                                    <p:animEffect transition="in" filter="wipe(right)">
+                                      <p:cBhvr>
+                                        <p:cTn id="17" dur="750"/>
+                                        <p:tgtEl>
+                                          <p:spTgt spid="17"/>
+                                        </p:tgtEl>
+                                      </p:cBhvr>
+                                    </p:animEffect>
+                                  </p:childTnLst>
+                                </p:cTn>
+                              </p:par>
+                            </p:childTnLst>
+                          </p:cTn>
+                        </p:par>
+                      </p:childTnLst>
+                    </p:cTn>
+                  </p:par>
+                </p:childTnLst>
+              </p:cTn>
+              <p:prevCondLst>
+                <p:cond evt="onPrev" delay="0">
+                  <p:tgtEl>
+                    <p:sldTgt/>
+                  </p:tgtEl>
+                </p:cond>
+              </p:prevCondLst>
+              <p:nextCondLst>
+                <p:cond evt="onNext" delay="0">
+                  <p:tgtEl>
+                    <p:sldTgt/>
+                  </p:tgtEl>
+                </p:cond>
+              </p:nextCondLst>
+            </p:seq>
+          </p:childTnLst>
+        </p:cTn>
+      </p:par>
+    </p:tnLst>
+    <p:bldLst>
+      <p:bldP spid="16" grpId="0"/>
+    </p:bldLst>
+  </p:timing>
+</p:sld>
+</file>
+
+<file path=ppt/slides/slide6.xml><?xml version="1.0" encoding="utf-8"?>
+<p:sld xmlns:a="http://schemas.openxmlformats.org/drawingml/2006/main" xmlns:r="http://schemas.openxmlformats.org/officeDocument/2006/relationships" xmlns:p="http://schemas.openxmlformats.org/presentationml/2006/main">
+  <p:cSld>
+    <p:spTree>
+      <p:nvGrpSpPr>
+        <p:cNvPr id="1" name=""/>
+        <p:cNvGrpSpPr/>
+        <p:nvPr/>
+      </p:nvGrpSpPr>
+      <p:grpSpPr>
+        <a:xfrm>
+          <a:off x="0" y="0"/>
+          <a:ext cx="0" cy="0"/>
+          <a:chOff x="0" y="0"/>
+          <a:chExt cx="0" cy="0"/>
+        </a:xfrm>
+      </p:grpSpPr>
+      <p:grpSp>
+        <p:nvGrpSpPr>
+          <p:cNvPr id="2" name="1"/>
+          <p:cNvGrpSpPr/>
+          <p:nvPr/>
+        </p:nvGrpSpPr>
+        <p:grpSpPr>
+          <a:xfrm>
+            <a:off x="583060" y="342545"/>
+            <a:ext cx="637243" cy="227778"/>
+            <a:chOff x="264939" y="188640"/>
+            <a:chExt cx="604358" cy="216024"/>
+          </a:xfrm>
+          <a:solidFill>
+            <a:srgbClr val="0D4960"/>
+          </a:solidFill>
+        </p:grpSpPr>
+        <p:sp>
+          <p:nvSpPr>
+            <p:cNvPr id="13" name="燕尾形 12"/>
+            <p:cNvSpPr/>
+            <p:nvPr/>
+          </p:nvSpPr>
+          <p:spPr>
+            <a:xfrm>
+              <a:off x="264939" y="188640"/>
+              <a:ext cx="216024" cy="216024"/>
+            </a:xfrm>
+            <a:prstGeom prst="chevron">
+              <a:avLst/>
+            </a:prstGeom>
+            <a:grpFill/>
+            <a:ln>
+              <a:noFill/>
+            </a:ln>
+            <a:effectLst>
+              <a:outerShdw blurRad="63500" algn="ctr" rotWithShape="0">
+                <a:prstClr val="black">
+                  <a:alpha val="40000"/>
+                </a:prstClr>
+              </a:outerShdw>
+            </a:effectLst>
+          </p:spPr>
+          <p:txBody>
+            <a:bodyPr lIns="0" tIns="0" rIns="0" bIns="0" anchor="ctr"/>
+            <a:lstStyle/>
+            <a:p>
+              <a:endParaRPr lang="zh-CN" altLang="en-US" sz="900">
+                <a:solidFill>
+                  <a:srgbClr val="0070C0"/>
+                </a:solidFill>
+                <a:cs typeface="+mn-ea"/>
+              </a:endParaRPr>
+            </a:p>
+          </p:txBody>
+        </p:sp>
+        <p:sp>
+          <p:nvSpPr>
+            <p:cNvPr id="14" name="燕尾形 13"/>
+            <p:cNvSpPr/>
+            <p:nvPr/>
+          </p:nvSpPr>
+          <p:spPr>
+            <a:xfrm>
+              <a:off x="454914" y="188640"/>
+              <a:ext cx="216024" cy="216024"/>
+            </a:xfrm>
+            <a:prstGeom prst="chevron">
+              <a:avLst/>
+            </a:prstGeom>
+            <a:grpFill/>
+            <a:ln>
+              <a:noFill/>
+            </a:ln>
+            <a:effectLst>
+              <a:outerShdw blurRad="63500" algn="ctr" rotWithShape="0">
+                <a:prstClr val="black">
+                  <a:alpha val="40000"/>
+                </a:prstClr>
+              </a:outerShdw>
+            </a:effectLst>
+          </p:spPr>
+          <p:txBody>
+            <a:bodyPr lIns="0" tIns="0" rIns="0" bIns="0" anchor="ctr"/>
+            <a:lstStyle/>
+            <a:p>
+              <a:endParaRPr lang="zh-CN" altLang="en-US" sz="900">
+                <a:solidFill>
+                  <a:srgbClr val="0070C0"/>
+                </a:solidFill>
+                <a:cs typeface="+mn-ea"/>
+              </a:endParaRPr>
+            </a:p>
+          </p:txBody>
+        </p:sp>
+        <p:sp>
+          <p:nvSpPr>
+            <p:cNvPr id="15" name="燕尾形 14"/>
+            <p:cNvSpPr/>
+            <p:nvPr/>
+          </p:nvSpPr>
+          <p:spPr>
+            <a:xfrm>
+              <a:off x="653273" y="188640"/>
+              <a:ext cx="216024" cy="216024"/>
+            </a:xfrm>
+            <a:prstGeom prst="chevron">
+              <a:avLst/>
+            </a:prstGeom>
+            <a:grpFill/>
+            <a:ln>
+              <a:noFill/>
+            </a:ln>
+            <a:effectLst>
+              <a:outerShdw blurRad="63500" algn="ctr" rotWithShape="0">
+                <a:prstClr val="black">
+                  <a:alpha val="40000"/>
+                </a:prstClr>
+              </a:outerShdw>
+            </a:effectLst>
+          </p:spPr>
+          <p:txBody>
+            <a:bodyPr lIns="0" tIns="0" rIns="0" bIns="0" anchor="ctr"/>
+            <a:lstStyle/>
+            <a:p>
+              <a:endParaRPr lang="zh-CN" altLang="en-US" sz="900">
+                <a:solidFill>
+                  <a:srgbClr val="0070C0"/>
+                </a:solidFill>
+                <a:cs typeface="+mn-ea"/>
+              </a:endParaRPr>
+            </a:p>
+          </p:txBody>
+        </p:sp>
+      </p:grpSp>
+      <p:sp>
+        <p:nvSpPr>
+          <p:cNvPr id="16" name="2"/>
+          <p:cNvSpPr txBox="1"/>
+          <p:nvPr/>
+        </p:nvSpPr>
+        <p:spPr>
+          <a:xfrm>
+            <a:off x="1418247" y="211364"/>
             <a:ext cx="5306644" cy="503905"/>
           </a:xfrm>
           <a:prstGeom prst="rect">
@@ -11104,7 +12537,7 @@
           <a:p>
             <a:pPr marL="0" lvl="1"/>
             <a:r>
-              <a:rPr lang="en-US" altLang="zh-CN" sz="2800" spc="300" dirty="0" smtClean="0">
+              <a:rPr lang="en-US" altLang="zh-CN" sz="2800" spc="300" dirty="0">
                 <a:solidFill>
                   <a:srgbClr val="0D4960"/>
                 </a:solidFill>
@@ -11114,7 +12547,7 @@
               <a:t>Nexus</a:t>
             </a:r>
             <a:r>
-              <a:rPr lang="zh-CN" altLang="en-US" sz="2800" spc="300" dirty="0" smtClean="0">
+              <a:rPr lang="zh-CN" altLang="en-US" sz="2800" spc="300" dirty="0">
                 <a:solidFill>
                   <a:srgbClr val="0D4960"/>
                 </a:solidFill>
@@ -11123,13 +12556,6 @@
               </a:rPr>
               <a:t>搭建私服</a:t>
             </a:r>
-            <a:endParaRPr lang="zh-CN" altLang="en-US" sz="2800" spc="300" dirty="0">
-              <a:solidFill>
-                <a:srgbClr val="0D4960"/>
-              </a:solidFill>
-              <a:latin typeface="方正尚酷简体" panose="03000509000000000000" pitchFamily="65" charset="-122"/>
-              <a:ea typeface="方正尚酷简体" panose="03000509000000000000" pitchFamily="65" charset="-122"/>
-            </a:endParaRPr>
           </a:p>
         </p:txBody>
       </p:sp>
@@ -11193,46 +12619,36 @@
           <a:lstStyle/>
           <a:p>
             <a:r>
-              <a:rPr lang="en-US" altLang="zh-CN" sz="3200" dirty="0" err="1" smtClean="0"/>
+              <a:rPr lang="en-US" altLang="zh-CN" sz="3200" dirty="0" err="1"/>
               <a:t>wget</a:t>
             </a:r>
             <a:r>
-              <a:rPr lang="en-US" altLang="zh-CN" sz="3200" dirty="0" smtClean="0"/>
+              <a:rPr lang="en-US" altLang="zh-CN" sz="3200" dirty="0"/>
               <a:t> </a:t>
             </a:r>
             <a:r>
-              <a:rPr lang="en-US" altLang="zh-CN" sz="1600" dirty="0" smtClean="0">
+              <a:rPr lang="en-US" altLang="zh-CN" sz="1600" dirty="0">
                 <a:hlinkClick r:id="rId3"/>
               </a:rPr>
-              <a:t>https://</a:t>
+              <a:t>https://sonatype-download.global.ssl.fastly.net/repository/repositoryManager/3/nexus-3.12.0-01-unix.tar.gz</a:t>
             </a:r>
+            <a:endParaRPr lang="en-US" altLang="zh-CN" sz="1600" dirty="0"/>
+          </a:p>
+          <a:p>
+            <a:endParaRPr lang="en-US" altLang="zh-CN" sz="1600" dirty="0"/>
+          </a:p>
+          <a:p>
             <a:r>
-              <a:rPr lang="en-US" altLang="zh-CN" sz="1600" dirty="0" smtClean="0">
-                <a:hlinkClick r:id="rId3"/>
-              </a:rPr>
-              <a:t>sonatype-download.global.ssl.fastly.net/repository/repositoryManager/3/nexus-3.12.0-01-unix.tar.gz</a:t>
-            </a:r>
-            <a:endParaRPr lang="en-US" altLang="zh-CN" sz="1600" dirty="0" smtClean="0"/>
-          </a:p>
-          <a:p>
-            <a:endParaRPr lang="en-US" altLang="zh-CN" sz="1600" dirty="0" smtClean="0"/>
-          </a:p>
-          <a:p>
-            <a:r>
-              <a:rPr lang="en-US" altLang="zh-CN" sz="3200" dirty="0" smtClean="0"/>
+              <a:rPr lang="en-US" altLang="zh-CN" sz="3200" dirty="0"/>
               <a:t>tar –</a:t>
             </a:r>
             <a:r>
-              <a:rPr lang="en-US" altLang="zh-CN" sz="3200" dirty="0" err="1" smtClean="0"/>
+              <a:rPr lang="en-US" altLang="zh-CN" sz="3200" dirty="0" err="1"/>
               <a:t>zxvf</a:t>
             </a:r>
             <a:r>
-              <a:rPr lang="en-US" altLang="zh-CN" sz="3200" dirty="0" smtClean="0"/>
-              <a:t> </a:t>
-            </a:r>
-            <a:r>
-              <a:rPr lang="en-US" altLang="zh-CN" sz="3200" dirty="0" smtClean="0"/>
-              <a:t>nexus-3.12.0-01.unix.tar.gz</a:t>
+              <a:rPr lang="en-US" altLang="zh-CN" sz="3200" dirty="0"/>
+              <a:t> nexus-3.12.0-01.unix.tar.gz</a:t>
             </a:r>
             <a:endParaRPr lang="zh-CN" altLang="en-US" sz="3200" dirty="0"/>
           </a:p>
@@ -11241,20 +12657,20 @@
     </p:spTree>
     <p:extLst>
       <p:ext uri="{BB962C8B-B14F-4D97-AF65-F5344CB8AC3E}">
-        <p14:creationId xmlns:p14="http://schemas.microsoft.com/office/powerpoint/2010/main" xmlns="" val="264814506"/>
+        <p14:creationId xmlns:p14="http://schemas.microsoft.com/office/powerpoint/2010/main" val="264814506"/>
       </p:ext>
     </p:extLst>
   </p:cSld>
   <p:clrMapOvr>
     <a:masterClrMapping/>
   </p:clrMapOvr>
-  <mc:AlternateContent xmlns:mc="http://schemas.openxmlformats.org/markup-compatibility/2006">
-    <mc:Choice xmlns:p14="http://schemas.microsoft.com/office/powerpoint/2010/main" xmlns="" Requires="p14">
+  <mc:AlternateContent xmlns:mc="http://schemas.openxmlformats.org/markup-compatibility/2006" xmlns:p14="http://schemas.microsoft.com/office/powerpoint/2010/main">
+    <mc:Choice Requires="p14">
       <p:transition spd="slow" p14:dur="1500">
         <p:random/>
       </p:transition>
     </mc:Choice>
-    <mc:Fallback>
+    <mc:Fallback xmlns="">
       <p:transition spd="slow">
         <p:random/>
       </p:transition>
@@ -11779,7 +13195,7 @@
   <a:extraClrSchemeLst/>
   <a:extLst>
     <a:ext uri="{05A4C25C-085E-4340-85A3-A5531E510DB2}">
-      <thm15:themeFamily xmlns:thm15="http://schemas.microsoft.com/office/thememl/2012/main" xmlns="" name="Office Theme" id="{62F939B6-93AF-4DB8-9C6B-D6C7DFDC589F}" vid="{4A3C46E8-61CC-4603-A589-7422A47A8E4A}"/>
+      <thm15:themeFamily xmlns:thm15="http://schemas.microsoft.com/office/thememl/2012/main" name="Office Theme" id="{62F939B6-93AF-4DB8-9C6B-D6C7DFDC589F}" vid="{4A3C46E8-61CC-4603-A589-7422A47A8E4A}"/>
     </a:ext>
   </a:extLst>
 </a:theme>
@@ -12040,7 +13456,7 @@
   <a:extraClrSchemeLst/>
   <a:extLst>
     <a:ext uri="{05A4C25C-085E-4340-85A3-A5531E510DB2}">
-      <thm15:themeFamily xmlns:thm15="http://schemas.microsoft.com/office/thememl/2012/main" xmlns="" name="Office Theme" id="{62F939B6-93AF-4DB8-9C6B-D6C7DFDC589F}" vid="{4A3C46E8-61CC-4603-A589-7422A47A8E4A}"/>
+      <thm15:themeFamily xmlns:thm15="http://schemas.microsoft.com/office/thememl/2012/main" name="Office Theme" id="{62F939B6-93AF-4DB8-9C6B-D6C7DFDC589F}" vid="{4A3C46E8-61CC-4603-A589-7422A47A8E4A}"/>
     </a:ext>
   </a:extLst>
 </a:theme>

--- a/maven.pptx
+++ b/maven.pptx
@@ -117,7 +117,7 @@
   </p:defaultTextStyle>
   <p:extLst>
     <p:ext uri="{EFAFB233-063F-42B5-8137-9DF3F51BA10A}">
-      <p15:sldGuideLst xmlns:p15="http://schemas.microsoft.com/office/powerpoint/2012/main">
+      <p15:sldGuideLst xmlns:p15="http://schemas.microsoft.com/office/powerpoint/2012/main" xmlns="">
         <p15:guide id="1" orient="horz" pos="2160" userDrawn="1">
           <p15:clr>
             <a:srgbClr val="A4A3A4"/>
@@ -221,7 +221,7 @@
             <a:fld id="{05B1D5F9-199E-4B77-ACFB-0D659EE03F6C}" type="datetimeFigureOut">
               <a:rPr lang="zh-CN" altLang="en-US" smtClean="0"/>
               <a:pPr/>
-              <a:t>2018/5/29</a:t>
+              <a:t>2018/10/1</a:t>
             </a:fld>
             <a:endParaRPr lang="zh-CN" altLang="en-US"/>
           </a:p>
@@ -389,7 +389,7 @@
     </p:spTree>
     <p:extLst>
       <p:ext uri="{BB962C8B-B14F-4D97-AF65-F5344CB8AC3E}">
-        <p14:creationId xmlns:p14="http://schemas.microsoft.com/office/powerpoint/2010/main" val="4136795833"/>
+        <p14:creationId xmlns:p14="http://schemas.microsoft.com/office/powerpoint/2010/main" xmlns="" val="4136795833"/>
       </p:ext>
     </p:extLst>
   </p:cSld>
@@ -564,7 +564,7 @@
     </p:spTree>
     <p:extLst>
       <p:ext uri="{BB962C8B-B14F-4D97-AF65-F5344CB8AC3E}">
-        <p14:creationId xmlns:p14="http://schemas.microsoft.com/office/powerpoint/2010/main" val="2594768037"/>
+        <p14:creationId xmlns:p14="http://schemas.microsoft.com/office/powerpoint/2010/main" xmlns="" val="2594768037"/>
       </p:ext>
     </p:extLst>
   </p:cSld>
@@ -649,7 +649,7 @@
     </p:spTree>
     <p:extLst>
       <p:ext uri="{BB962C8B-B14F-4D97-AF65-F5344CB8AC3E}">
-        <p14:creationId xmlns:p14="http://schemas.microsoft.com/office/powerpoint/2010/main" val="2506518844"/>
+        <p14:creationId xmlns:p14="http://schemas.microsoft.com/office/powerpoint/2010/main" xmlns="" val="2506518844"/>
       </p:ext>
     </p:extLst>
   </p:cSld>
@@ -734,7 +734,7 @@
     </p:spTree>
     <p:extLst>
       <p:ext uri="{BB962C8B-B14F-4D97-AF65-F5344CB8AC3E}">
-        <p14:creationId xmlns:p14="http://schemas.microsoft.com/office/powerpoint/2010/main" val="2506518844"/>
+        <p14:creationId xmlns:p14="http://schemas.microsoft.com/office/powerpoint/2010/main" xmlns="" val="2506518844"/>
       </p:ext>
     </p:extLst>
   </p:cSld>
@@ -819,7 +819,7 @@
     </p:spTree>
     <p:extLst>
       <p:ext uri="{BB962C8B-B14F-4D97-AF65-F5344CB8AC3E}">
-        <p14:creationId xmlns:p14="http://schemas.microsoft.com/office/powerpoint/2010/main" val="4127691975"/>
+        <p14:creationId xmlns:p14="http://schemas.microsoft.com/office/powerpoint/2010/main" xmlns="" val="4127691975"/>
       </p:ext>
     </p:extLst>
   </p:cSld>
@@ -904,7 +904,7 @@
     </p:spTree>
     <p:extLst>
       <p:ext uri="{BB962C8B-B14F-4D97-AF65-F5344CB8AC3E}">
-        <p14:creationId xmlns:p14="http://schemas.microsoft.com/office/powerpoint/2010/main" val="1727976632"/>
+        <p14:creationId xmlns:p14="http://schemas.microsoft.com/office/powerpoint/2010/main" xmlns="" val="1727976632"/>
       </p:ext>
     </p:extLst>
   </p:cSld>
@@ -989,7 +989,7 @@
     </p:spTree>
     <p:extLst>
       <p:ext uri="{BB962C8B-B14F-4D97-AF65-F5344CB8AC3E}">
-        <p14:creationId xmlns:p14="http://schemas.microsoft.com/office/powerpoint/2010/main" val="2506518844"/>
+        <p14:creationId xmlns:p14="http://schemas.microsoft.com/office/powerpoint/2010/main" xmlns="" val="2506518844"/>
       </p:ext>
     </p:extLst>
   </p:cSld>
@@ -1129,7 +1129,7 @@
             <a:fld id="{91AD7F68-8E1B-45E2-8A27-5D5DEAAB1BF2}" type="datetimeFigureOut">
               <a:rPr lang="zh-CN" altLang="en-US" smtClean="0"/>
               <a:pPr/>
-              <a:t>2018/5/29</a:t>
+              <a:t>2018/10/1</a:t>
             </a:fld>
             <a:endParaRPr lang="zh-CN" altLang="en-US"/>
           </a:p>
@@ -1181,20 +1181,20 @@
     </p:spTree>
     <p:extLst>
       <p:ext uri="{BB962C8B-B14F-4D97-AF65-F5344CB8AC3E}">
-        <p14:creationId xmlns:p14="http://schemas.microsoft.com/office/powerpoint/2010/main" val="3379505774"/>
+        <p14:creationId xmlns:p14="http://schemas.microsoft.com/office/powerpoint/2010/main" xmlns="" val="3379505774"/>
       </p:ext>
     </p:extLst>
   </p:cSld>
   <p:clrMapOvr>
     <a:masterClrMapping/>
   </p:clrMapOvr>
-  <mc:AlternateContent xmlns:mc="http://schemas.openxmlformats.org/markup-compatibility/2006" xmlns:p14="http://schemas.microsoft.com/office/powerpoint/2010/main">
-    <mc:Choice Requires="p14">
+  <mc:AlternateContent xmlns:mc="http://schemas.openxmlformats.org/markup-compatibility/2006">
+    <mc:Choice xmlns:p14="http://schemas.microsoft.com/office/powerpoint/2010/main" xmlns="" Requires="p14">
       <p:transition spd="slow" p14:dur="1500" advClick="0" advTm="0">
         <p:random/>
       </p:transition>
     </mc:Choice>
-    <mc:Fallback xmlns="">
+    <mc:Fallback>
       <p:transition spd="slow" advClick="0" advTm="0">
         <p:random/>
       </p:transition>
@@ -1311,7 +1311,7 @@
             <a:fld id="{91AD7F68-8E1B-45E2-8A27-5D5DEAAB1BF2}" type="datetimeFigureOut">
               <a:rPr lang="zh-CN" altLang="en-US" smtClean="0"/>
               <a:pPr/>
-              <a:t>2018/5/29</a:t>
+              <a:t>2018/10/1</a:t>
             </a:fld>
             <a:endParaRPr lang="zh-CN" altLang="en-US"/>
           </a:p>
@@ -1363,20 +1363,20 @@
     </p:spTree>
     <p:extLst>
       <p:ext uri="{BB962C8B-B14F-4D97-AF65-F5344CB8AC3E}">
-        <p14:creationId xmlns:p14="http://schemas.microsoft.com/office/powerpoint/2010/main" val="4292131042"/>
+        <p14:creationId xmlns:p14="http://schemas.microsoft.com/office/powerpoint/2010/main" xmlns="" val="4292131042"/>
       </p:ext>
     </p:extLst>
   </p:cSld>
   <p:clrMapOvr>
     <a:masterClrMapping/>
   </p:clrMapOvr>
-  <mc:AlternateContent xmlns:mc="http://schemas.openxmlformats.org/markup-compatibility/2006" xmlns:p14="http://schemas.microsoft.com/office/powerpoint/2010/main">
-    <mc:Choice Requires="p14">
+  <mc:AlternateContent xmlns:mc="http://schemas.openxmlformats.org/markup-compatibility/2006">
+    <mc:Choice xmlns:p14="http://schemas.microsoft.com/office/powerpoint/2010/main" xmlns="" Requires="p14">
       <p:transition spd="slow" p14:dur="1500" advClick="0" advTm="0">
         <p:random/>
       </p:transition>
     </mc:Choice>
-    <mc:Fallback xmlns="">
+    <mc:Fallback>
       <p:transition spd="slow" advClick="0" advTm="0">
         <p:random/>
       </p:transition>
@@ -1503,7 +1503,7 @@
             <a:fld id="{91AD7F68-8E1B-45E2-8A27-5D5DEAAB1BF2}" type="datetimeFigureOut">
               <a:rPr lang="zh-CN" altLang="en-US" smtClean="0"/>
               <a:pPr/>
-              <a:t>2018/5/29</a:t>
+              <a:t>2018/10/1</a:t>
             </a:fld>
             <a:endParaRPr lang="zh-CN" altLang="en-US"/>
           </a:p>
@@ -1555,20 +1555,20 @@
     </p:spTree>
     <p:extLst>
       <p:ext uri="{BB962C8B-B14F-4D97-AF65-F5344CB8AC3E}">
-        <p14:creationId xmlns:p14="http://schemas.microsoft.com/office/powerpoint/2010/main" val="1952128637"/>
+        <p14:creationId xmlns:p14="http://schemas.microsoft.com/office/powerpoint/2010/main" xmlns="" val="1952128637"/>
       </p:ext>
     </p:extLst>
   </p:cSld>
   <p:clrMapOvr>
     <a:masterClrMapping/>
   </p:clrMapOvr>
-  <mc:AlternateContent xmlns:mc="http://schemas.openxmlformats.org/markup-compatibility/2006" xmlns:p14="http://schemas.microsoft.com/office/powerpoint/2010/main">
-    <mc:Choice Requires="p14">
+  <mc:AlternateContent xmlns:mc="http://schemas.openxmlformats.org/markup-compatibility/2006">
+    <mc:Choice xmlns:p14="http://schemas.microsoft.com/office/powerpoint/2010/main" xmlns="" Requires="p14">
       <p:transition spd="slow" p14:dur="1500" advClick="0" advTm="0">
         <p:random/>
       </p:transition>
     </mc:Choice>
-    <mc:Fallback xmlns="">
+    <mc:Fallback>
       <p:transition spd="slow" advClick="0" advTm="0">
         <p:random/>
       </p:transition>
@@ -1685,7 +1685,7 @@
             <a:fld id="{91AD7F68-8E1B-45E2-8A27-5D5DEAAB1BF2}" type="datetimeFigureOut">
               <a:rPr lang="zh-CN" altLang="en-US" smtClean="0"/>
               <a:pPr/>
-              <a:t>2018/5/29</a:t>
+              <a:t>2018/10/1</a:t>
             </a:fld>
             <a:endParaRPr lang="zh-CN" altLang="en-US"/>
           </a:p>
@@ -1737,20 +1737,20 @@
     </p:spTree>
     <p:extLst>
       <p:ext uri="{BB962C8B-B14F-4D97-AF65-F5344CB8AC3E}">
-        <p14:creationId xmlns:p14="http://schemas.microsoft.com/office/powerpoint/2010/main" val="4173798514"/>
+        <p14:creationId xmlns:p14="http://schemas.microsoft.com/office/powerpoint/2010/main" xmlns="" val="4173798514"/>
       </p:ext>
     </p:extLst>
   </p:cSld>
   <p:clrMapOvr>
     <a:masterClrMapping/>
   </p:clrMapOvr>
-  <mc:AlternateContent xmlns:mc="http://schemas.openxmlformats.org/markup-compatibility/2006" xmlns:p14="http://schemas.microsoft.com/office/powerpoint/2010/main">
-    <mc:Choice Requires="p14">
+  <mc:AlternateContent xmlns:mc="http://schemas.openxmlformats.org/markup-compatibility/2006">
+    <mc:Choice xmlns:p14="http://schemas.microsoft.com/office/powerpoint/2010/main" xmlns="" Requires="p14">
       <p:transition spd="slow" p14:dur="1500" advClick="0" advTm="0">
         <p:random/>
       </p:transition>
     </mc:Choice>
-    <mc:Fallback xmlns="">
+    <mc:Fallback>
       <p:transition spd="slow" advClick="0" advTm="0">
         <p:random/>
       </p:transition>
@@ -1944,7 +1944,7 @@
             <a:fld id="{91AD7F68-8E1B-45E2-8A27-5D5DEAAB1BF2}" type="datetimeFigureOut">
               <a:rPr lang="zh-CN" altLang="en-US" smtClean="0"/>
               <a:pPr/>
-              <a:t>2018/5/29</a:t>
+              <a:t>2018/10/1</a:t>
             </a:fld>
             <a:endParaRPr lang="zh-CN" altLang="en-US"/>
           </a:p>
@@ -1996,20 +1996,20 @@
     </p:spTree>
     <p:extLst>
       <p:ext uri="{BB962C8B-B14F-4D97-AF65-F5344CB8AC3E}">
-        <p14:creationId xmlns:p14="http://schemas.microsoft.com/office/powerpoint/2010/main" val="2343028950"/>
+        <p14:creationId xmlns:p14="http://schemas.microsoft.com/office/powerpoint/2010/main" xmlns="" val="2343028950"/>
       </p:ext>
     </p:extLst>
   </p:cSld>
   <p:clrMapOvr>
     <a:masterClrMapping/>
   </p:clrMapOvr>
-  <mc:AlternateContent xmlns:mc="http://schemas.openxmlformats.org/markup-compatibility/2006" xmlns:p14="http://schemas.microsoft.com/office/powerpoint/2010/main">
-    <mc:Choice Requires="p14">
+  <mc:AlternateContent xmlns:mc="http://schemas.openxmlformats.org/markup-compatibility/2006">
+    <mc:Choice xmlns:p14="http://schemas.microsoft.com/office/powerpoint/2010/main" xmlns="" Requires="p14">
       <p:transition spd="slow" p14:dur="1500" advClick="0" advTm="0">
         <p:random/>
       </p:transition>
     </mc:Choice>
-    <mc:Fallback xmlns="">
+    <mc:Fallback>
       <p:transition spd="slow" advClick="0" advTm="0">
         <p:random/>
       </p:transition>
@@ -2187,7 +2187,7 @@
             <a:fld id="{91AD7F68-8E1B-45E2-8A27-5D5DEAAB1BF2}" type="datetimeFigureOut">
               <a:rPr lang="zh-CN" altLang="en-US" smtClean="0"/>
               <a:pPr/>
-              <a:t>2018/5/29</a:t>
+              <a:t>2018/10/1</a:t>
             </a:fld>
             <a:endParaRPr lang="zh-CN" altLang="en-US"/>
           </a:p>
@@ -2239,20 +2239,20 @@
     </p:spTree>
     <p:extLst>
       <p:ext uri="{BB962C8B-B14F-4D97-AF65-F5344CB8AC3E}">
-        <p14:creationId xmlns:p14="http://schemas.microsoft.com/office/powerpoint/2010/main" val="1951757828"/>
+        <p14:creationId xmlns:p14="http://schemas.microsoft.com/office/powerpoint/2010/main" xmlns="" val="1951757828"/>
       </p:ext>
     </p:extLst>
   </p:cSld>
   <p:clrMapOvr>
     <a:masterClrMapping/>
   </p:clrMapOvr>
-  <mc:AlternateContent xmlns:mc="http://schemas.openxmlformats.org/markup-compatibility/2006" xmlns:p14="http://schemas.microsoft.com/office/powerpoint/2010/main">
-    <mc:Choice Requires="p14">
+  <mc:AlternateContent xmlns:mc="http://schemas.openxmlformats.org/markup-compatibility/2006">
+    <mc:Choice xmlns:p14="http://schemas.microsoft.com/office/powerpoint/2010/main" xmlns="" Requires="p14">
       <p:transition spd="slow" p14:dur="1500" advClick="0" advTm="0">
         <p:random/>
       </p:transition>
     </mc:Choice>
-    <mc:Fallback xmlns="">
+    <mc:Fallback>
       <p:transition spd="slow" advClick="0" advTm="0">
         <p:random/>
       </p:transition>
@@ -2565,7 +2565,7 @@
             <a:fld id="{91AD7F68-8E1B-45E2-8A27-5D5DEAAB1BF2}" type="datetimeFigureOut">
               <a:rPr lang="zh-CN" altLang="en-US" smtClean="0"/>
               <a:pPr/>
-              <a:t>2018/5/29</a:t>
+              <a:t>2018/10/1</a:t>
             </a:fld>
             <a:endParaRPr lang="zh-CN" altLang="en-US"/>
           </a:p>
@@ -2617,20 +2617,20 @@
     </p:spTree>
     <p:extLst>
       <p:ext uri="{BB962C8B-B14F-4D97-AF65-F5344CB8AC3E}">
-        <p14:creationId xmlns:p14="http://schemas.microsoft.com/office/powerpoint/2010/main" val="3785743930"/>
+        <p14:creationId xmlns:p14="http://schemas.microsoft.com/office/powerpoint/2010/main" xmlns="" val="3785743930"/>
       </p:ext>
     </p:extLst>
   </p:cSld>
   <p:clrMapOvr>
     <a:masterClrMapping/>
   </p:clrMapOvr>
-  <mc:AlternateContent xmlns:mc="http://schemas.openxmlformats.org/markup-compatibility/2006" xmlns:p14="http://schemas.microsoft.com/office/powerpoint/2010/main">
-    <mc:Choice Requires="p14">
+  <mc:AlternateContent xmlns:mc="http://schemas.openxmlformats.org/markup-compatibility/2006">
+    <mc:Choice xmlns:p14="http://schemas.microsoft.com/office/powerpoint/2010/main" xmlns="" Requires="p14">
       <p:transition spd="slow" p14:dur="1500" advClick="0" advTm="0">
         <p:random/>
       </p:transition>
     </mc:Choice>
-    <mc:Fallback xmlns="">
+    <mc:Fallback>
       <p:transition spd="slow" advClick="0" advTm="0">
         <p:random/>
       </p:transition>
@@ -2696,7 +2696,7 @@
             <a:fld id="{91AD7F68-8E1B-45E2-8A27-5D5DEAAB1BF2}" type="datetimeFigureOut">
               <a:rPr lang="zh-CN" altLang="en-US" smtClean="0"/>
               <a:pPr/>
-              <a:t>2018/5/29</a:t>
+              <a:t>2018/10/1</a:t>
             </a:fld>
             <a:endParaRPr lang="zh-CN" altLang="en-US"/>
           </a:p>
@@ -2748,20 +2748,20 @@
     </p:spTree>
     <p:extLst>
       <p:ext uri="{BB962C8B-B14F-4D97-AF65-F5344CB8AC3E}">
-        <p14:creationId xmlns:p14="http://schemas.microsoft.com/office/powerpoint/2010/main" val="1272998583"/>
+        <p14:creationId xmlns:p14="http://schemas.microsoft.com/office/powerpoint/2010/main" xmlns="" val="1272998583"/>
       </p:ext>
     </p:extLst>
   </p:cSld>
   <p:clrMapOvr>
     <a:masterClrMapping/>
   </p:clrMapOvr>
-  <mc:AlternateContent xmlns:mc="http://schemas.openxmlformats.org/markup-compatibility/2006" xmlns:p14="http://schemas.microsoft.com/office/powerpoint/2010/main">
-    <mc:Choice Requires="p14">
+  <mc:AlternateContent xmlns:mc="http://schemas.openxmlformats.org/markup-compatibility/2006">
+    <mc:Choice xmlns:p14="http://schemas.microsoft.com/office/powerpoint/2010/main" xmlns="" Requires="p14">
       <p:transition spd="slow" p14:dur="1500" advClick="0" advTm="0">
         <p:random/>
       </p:transition>
     </mc:Choice>
-    <mc:Fallback xmlns="">
+    <mc:Fallback>
       <p:transition spd="slow" advClick="0" advTm="0">
         <p:random/>
       </p:transition>
@@ -2805,7 +2805,7 @@
             <a:fld id="{91AD7F68-8E1B-45E2-8A27-5D5DEAAB1BF2}" type="datetimeFigureOut">
               <a:rPr lang="zh-CN" altLang="en-US" smtClean="0"/>
               <a:pPr/>
-              <a:t>2018/5/29</a:t>
+              <a:t>2018/10/1</a:t>
             </a:fld>
             <a:endParaRPr lang="zh-CN" altLang="en-US"/>
           </a:p>
@@ -2857,20 +2857,20 @@
     </p:spTree>
     <p:extLst>
       <p:ext uri="{BB962C8B-B14F-4D97-AF65-F5344CB8AC3E}">
-        <p14:creationId xmlns:p14="http://schemas.microsoft.com/office/powerpoint/2010/main" val="2103091704"/>
+        <p14:creationId xmlns:p14="http://schemas.microsoft.com/office/powerpoint/2010/main" xmlns="" val="2103091704"/>
       </p:ext>
     </p:extLst>
   </p:cSld>
   <p:clrMapOvr>
     <a:masterClrMapping/>
   </p:clrMapOvr>
-  <mc:AlternateContent xmlns:mc="http://schemas.openxmlformats.org/markup-compatibility/2006" xmlns:p14="http://schemas.microsoft.com/office/powerpoint/2010/main">
-    <mc:Choice Requires="p14">
+  <mc:AlternateContent xmlns:mc="http://schemas.openxmlformats.org/markup-compatibility/2006">
+    <mc:Choice xmlns:p14="http://schemas.microsoft.com/office/powerpoint/2010/main" xmlns="" Requires="p14">
       <p:transition spd="slow" p14:dur="1500" advClick="0" advTm="0">
         <p:random/>
       </p:transition>
     </mc:Choice>
-    <mc:Fallback xmlns="">
+    <mc:Fallback>
       <p:transition spd="slow" advClick="0" advTm="0">
         <p:random/>
       </p:transition>
@@ -3094,7 +3094,7 @@
             <a:fld id="{91AD7F68-8E1B-45E2-8A27-5D5DEAAB1BF2}" type="datetimeFigureOut">
               <a:rPr lang="zh-CN" altLang="en-US" smtClean="0"/>
               <a:pPr/>
-              <a:t>2018/5/29</a:t>
+              <a:t>2018/10/1</a:t>
             </a:fld>
             <a:endParaRPr lang="zh-CN" altLang="en-US"/>
           </a:p>
@@ -3146,20 +3146,20 @@
     </p:spTree>
     <p:extLst>
       <p:ext uri="{BB962C8B-B14F-4D97-AF65-F5344CB8AC3E}">
-        <p14:creationId xmlns:p14="http://schemas.microsoft.com/office/powerpoint/2010/main" val="2275436477"/>
+        <p14:creationId xmlns:p14="http://schemas.microsoft.com/office/powerpoint/2010/main" xmlns="" val="2275436477"/>
       </p:ext>
     </p:extLst>
   </p:cSld>
   <p:clrMapOvr>
     <a:masterClrMapping/>
   </p:clrMapOvr>
-  <mc:AlternateContent xmlns:mc="http://schemas.openxmlformats.org/markup-compatibility/2006" xmlns:p14="http://schemas.microsoft.com/office/powerpoint/2010/main">
-    <mc:Choice Requires="p14">
+  <mc:AlternateContent xmlns:mc="http://schemas.openxmlformats.org/markup-compatibility/2006">
+    <mc:Choice xmlns:p14="http://schemas.microsoft.com/office/powerpoint/2010/main" xmlns="" Requires="p14">
       <p:transition spd="slow" p14:dur="1500" advClick="0" advTm="0">
         <p:random/>
       </p:transition>
     </mc:Choice>
-    <mc:Fallback xmlns="">
+    <mc:Fallback>
       <p:transition spd="slow" advClick="0" advTm="0">
         <p:random/>
       </p:transition>
@@ -3360,7 +3360,7 @@
             <a:fld id="{91AD7F68-8E1B-45E2-8A27-5D5DEAAB1BF2}" type="datetimeFigureOut">
               <a:rPr lang="zh-CN" altLang="en-US" smtClean="0"/>
               <a:pPr/>
-              <a:t>2018/5/29</a:t>
+              <a:t>2018/10/1</a:t>
             </a:fld>
             <a:endParaRPr lang="zh-CN" altLang="en-US"/>
           </a:p>
@@ -3412,20 +3412,20 @@
     </p:spTree>
     <p:extLst>
       <p:ext uri="{BB962C8B-B14F-4D97-AF65-F5344CB8AC3E}">
-        <p14:creationId xmlns:p14="http://schemas.microsoft.com/office/powerpoint/2010/main" val="2724821356"/>
+        <p14:creationId xmlns:p14="http://schemas.microsoft.com/office/powerpoint/2010/main" xmlns="" val="2724821356"/>
       </p:ext>
     </p:extLst>
   </p:cSld>
   <p:clrMapOvr>
     <a:masterClrMapping/>
   </p:clrMapOvr>
-  <mc:AlternateContent xmlns:mc="http://schemas.openxmlformats.org/markup-compatibility/2006" xmlns:p14="http://schemas.microsoft.com/office/powerpoint/2010/main">
-    <mc:Choice Requires="p14">
+  <mc:AlternateContent xmlns:mc="http://schemas.openxmlformats.org/markup-compatibility/2006">
+    <mc:Choice xmlns:p14="http://schemas.microsoft.com/office/powerpoint/2010/main" xmlns="" Requires="p14">
       <p:transition spd="slow" p14:dur="1500" advClick="0" advTm="0">
         <p:random/>
       </p:transition>
     </mc:Choice>
-    <mc:Fallback xmlns="">
+    <mc:Fallback>
       <p:transition spd="slow" advClick="0" advTm="0">
         <p:random/>
       </p:transition>
@@ -3585,7 +3585,7 @@
             <a:fld id="{91AD7F68-8E1B-45E2-8A27-5D5DEAAB1BF2}" type="datetimeFigureOut">
               <a:rPr lang="zh-CN" altLang="en-US" smtClean="0"/>
               <a:pPr/>
-              <a:t>2018/5/29</a:t>
+              <a:t>2018/10/1</a:t>
             </a:fld>
             <a:endParaRPr lang="zh-CN" altLang="en-US"/>
           </a:p>
@@ -3673,7 +3673,7 @@
     </p:spTree>
     <p:extLst>
       <p:ext uri="{BB962C8B-B14F-4D97-AF65-F5344CB8AC3E}">
-        <p14:creationId xmlns:p14="http://schemas.microsoft.com/office/powerpoint/2010/main" val="666783823"/>
+        <p14:creationId xmlns:p14="http://schemas.microsoft.com/office/powerpoint/2010/main" xmlns="" val="666783823"/>
       </p:ext>
     </p:extLst>
   </p:cSld>
@@ -3691,13 +3691,13 @@
     <p:sldLayoutId id="2147483658" r:id="rId10"/>
     <p:sldLayoutId id="2147483659" r:id="rId11"/>
   </p:sldLayoutIdLst>
-  <mc:AlternateContent xmlns:mc="http://schemas.openxmlformats.org/markup-compatibility/2006" xmlns:p14="http://schemas.microsoft.com/office/powerpoint/2010/main">
-    <mc:Choice Requires="p14">
+  <mc:AlternateContent xmlns:mc="http://schemas.openxmlformats.org/markup-compatibility/2006">
+    <mc:Choice xmlns:p14="http://schemas.microsoft.com/office/powerpoint/2010/main" xmlns="" Requires="p14">
       <p:transition spd="slow" p14:dur="1500" advClick="0" advTm="0">
         <p:random/>
       </p:transition>
     </mc:Choice>
-    <mc:Fallback xmlns="">
+    <mc:Fallback>
       <p:transition spd="slow" advClick="0" advTm="0">
         <p:random/>
       </p:transition>
@@ -4015,7 +4015,7 @@
           <a:blip r:embed="rId3" cstate="print">
             <a:extLst>
               <a:ext uri="{28A0092B-C50C-407E-A947-70E740481C1C}">
-                <a14:useLocalDpi xmlns:a14="http://schemas.microsoft.com/office/drawing/2010/main"/>
+                <a14:useLocalDpi xmlns:a14="http://schemas.microsoft.com/office/drawing/2010/main" xmlns=""/>
               </a:ext>
             </a:extLst>
           </a:blip>
@@ -9589,7 +9589,7 @@
           <p:cNvPr id="9" name="TextBox 8">
             <a:extLst>
               <a:ext uri="{FF2B5EF4-FFF2-40B4-BE49-F238E27FC236}">
-                <a16:creationId xmlns:a16="http://schemas.microsoft.com/office/drawing/2014/main" id="{73C77ED2-C357-47B7-8381-585C44BF2B89}"/>
+                <a16:creationId xmlns:a16="http://schemas.microsoft.com/office/drawing/2014/main" xmlns="" id="{73C77ED2-C357-47B7-8381-585C44BF2B89}"/>
               </a:ext>
             </a:extLst>
           </p:cNvPr>
@@ -9629,20 +9629,20 @@
     </p:spTree>
     <p:extLst>
       <p:ext uri="{BB962C8B-B14F-4D97-AF65-F5344CB8AC3E}">
-        <p14:creationId xmlns:p14="http://schemas.microsoft.com/office/powerpoint/2010/main" val="656483861"/>
+        <p14:creationId xmlns:p14="http://schemas.microsoft.com/office/powerpoint/2010/main" xmlns="" val="656483861"/>
       </p:ext>
     </p:extLst>
   </p:cSld>
   <p:clrMapOvr>
     <a:masterClrMapping/>
   </p:clrMapOvr>
-  <mc:AlternateContent xmlns:mc="http://schemas.openxmlformats.org/markup-compatibility/2006" xmlns:p14="http://schemas.microsoft.com/office/powerpoint/2010/main">
-    <mc:Choice Requires="p14">
+  <mc:AlternateContent xmlns:mc="http://schemas.openxmlformats.org/markup-compatibility/2006">
+    <mc:Choice xmlns:p14="http://schemas.microsoft.com/office/powerpoint/2010/main" xmlns="" Requires="p14">
       <p:transition spd="slow" p14:dur="1500">
         <p:random/>
       </p:transition>
     </mc:Choice>
-    <mc:Fallback xmlns="">
+    <mc:Fallback>
       <p:transition spd="slow">
         <p:random/>
       </p:transition>
@@ -10201,7 +10201,7 @@
         <p:spPr>
           <a:xfrm>
             <a:off x="853440" y="929640"/>
-            <a:ext cx="6980372" cy="3539430"/>
+            <a:ext cx="4429995" cy="2739211"/>
           </a:xfrm>
           <a:prstGeom prst="rect">
             <a:avLst/>
@@ -10215,76 +10215,240 @@
           <a:lstStyle/>
           <a:p>
             <a:r>
-              <a:rPr lang="en-US" altLang="zh-CN" sz="3200" dirty="0"/>
+              <a:rPr lang="en-US" altLang="zh-CN" sz="3200" dirty="0" smtClean="0"/>
+              <a:t>Windows:</a:t>
+            </a:r>
+          </a:p>
+          <a:p>
+            <a:r>
+              <a:rPr lang="en-US" altLang="zh-CN" sz="2000" dirty="0" smtClean="0"/>
               <a:t>Maven</a:t>
             </a:r>
             <a:r>
-              <a:rPr lang="zh-CN" altLang="en-US" sz="3200" dirty="0"/>
+              <a:rPr lang="zh-CN" altLang="en-US" sz="2000" dirty="0"/>
               <a:t>不需要安装，下载解压即可。</a:t>
             </a:r>
-            <a:endParaRPr lang="en-US" altLang="zh-CN" sz="3200" dirty="0"/>
-          </a:p>
-          <a:p>
-            <a:r>
-              <a:rPr lang="zh-CN" altLang="en-US" sz="3200" dirty="0"/>
+            <a:endParaRPr lang="en-US" altLang="zh-CN" sz="2000" dirty="0"/>
+          </a:p>
+          <a:p>
+            <a:r>
+              <a:rPr lang="zh-CN" altLang="en-US" sz="2000" dirty="0"/>
               <a:t>放置路径：</a:t>
             </a:r>
             <a:r>
-              <a:rPr lang="en-US" altLang="zh-CN" sz="3200" dirty="0"/>
+              <a:rPr lang="en-US" altLang="zh-CN" sz="2000" dirty="0"/>
               <a:t>T:\apache-maven-3.5.0</a:t>
             </a:r>
           </a:p>
           <a:p>
-            <a:endParaRPr lang="en-US" altLang="zh-CN" sz="3200" dirty="0"/>
-          </a:p>
-          <a:p>
-            <a:r>
-              <a:rPr lang="zh-CN" altLang="en-US" sz="3200" dirty="0"/>
+            <a:endParaRPr lang="en-US" altLang="zh-CN" sz="2000" dirty="0"/>
+          </a:p>
+          <a:p>
+            <a:r>
+              <a:rPr lang="zh-CN" altLang="en-US" sz="2000" dirty="0"/>
               <a:t>添加环境变量：</a:t>
             </a:r>
-            <a:endParaRPr lang="en-US" altLang="zh-CN" sz="3200" dirty="0"/>
-          </a:p>
-          <a:p>
-            <a:r>
-              <a:rPr lang="en-US" altLang="zh-CN" sz="3200" dirty="0"/>
+            <a:endParaRPr lang="en-US" altLang="zh-CN" sz="2000" dirty="0"/>
+          </a:p>
+          <a:p>
+            <a:r>
+              <a:rPr lang="en-US" altLang="zh-CN" sz="2000" dirty="0"/>
               <a:t>MAVEN_HOME = T:\apache-maven-3.5.0</a:t>
             </a:r>
           </a:p>
           <a:p>
             <a:r>
-              <a:rPr lang="en-US" altLang="zh-CN" sz="3200" dirty="0"/>
+              <a:rPr lang="en-US" altLang="zh-CN" sz="2000" dirty="0"/>
               <a:t>M2_HOME = T:\apache-maven-3.5.0</a:t>
             </a:r>
           </a:p>
           <a:p>
             <a:r>
-              <a:rPr lang="zh-CN" altLang="en-US" sz="3200" dirty="0"/>
+              <a:rPr lang="zh-CN" altLang="en-US" sz="2000" dirty="0"/>
               <a:t>追加</a:t>
             </a:r>
             <a:r>
-              <a:rPr lang="en-US" altLang="zh-CN" sz="3200" dirty="0"/>
-              <a:t>PATH : % MAVEN_HOME % \bin;</a:t>
-            </a:r>
+              <a:rPr lang="en-US" altLang="zh-CN" sz="2000" dirty="0"/>
+              <a:t>PATH : % MAVEN_HOME % \bin</a:t>
+            </a:r>
+            <a:r>
+              <a:rPr lang="en-US" altLang="zh-CN" sz="2000" dirty="0" smtClean="0"/>
+              <a:t>;</a:t>
+            </a:r>
+          </a:p>
+        </p:txBody>
+      </p:sp>
+      <p:sp>
+        <p:nvSpPr>
+          <p:cNvPr id="9" name="TextBox 8"/>
+          <p:cNvSpPr txBox="1"/>
+          <p:nvPr/>
+        </p:nvSpPr>
+        <p:spPr>
+          <a:xfrm>
+            <a:off x="5725324" y="1023047"/>
+            <a:ext cx="4679423" cy="3662541"/>
+          </a:xfrm>
+          <a:prstGeom prst="rect">
+            <a:avLst/>
+          </a:prstGeom>
+          <a:noFill/>
+        </p:spPr>
+        <p:txBody>
+          <a:bodyPr wrap="none" rtlCol="0">
+            <a:spAutoFit/>
+          </a:bodyPr>
+          <a:lstStyle/>
+          <a:p>
+            <a:r>
+              <a:rPr lang="en-US" altLang="zh-CN" sz="3200" dirty="0" smtClean="0"/>
+              <a:t>Linux:</a:t>
+            </a:r>
+          </a:p>
+          <a:p>
+            <a:r>
+              <a:rPr lang="en-US" altLang="zh-CN" sz="2000" dirty="0" smtClean="0"/>
+              <a:t>tar </a:t>
+            </a:r>
+            <a:r>
+              <a:rPr lang="en-US" altLang="zh-CN" sz="2000" dirty="0" err="1" smtClean="0"/>
+              <a:t>xf</a:t>
+            </a:r>
+            <a:r>
+              <a:rPr lang="en-US" altLang="zh-CN" sz="2000" dirty="0" smtClean="0"/>
+              <a:t> apache-maven-3.5.4-bin.tar.gz</a:t>
+            </a:r>
+            <a:endParaRPr lang="en-US" altLang="zh-CN" sz="2000" dirty="0"/>
+          </a:p>
+          <a:p>
+            <a:r>
+              <a:rPr lang="zh-CN" altLang="en-US" sz="2000" dirty="0"/>
+              <a:t>放置路径</a:t>
+            </a:r>
+            <a:r>
+              <a:rPr lang="zh-CN" altLang="en-US" sz="2000" dirty="0" smtClean="0"/>
+              <a:t>：</a:t>
+            </a:r>
+            <a:r>
+              <a:rPr lang="en-US" altLang="zh-CN" sz="2000" dirty="0" smtClean="0"/>
+              <a:t>/usr/maven-3.5.4/</a:t>
+            </a:r>
+            <a:endParaRPr lang="en-US" altLang="zh-CN" sz="2000" dirty="0"/>
+          </a:p>
+          <a:p>
+            <a:endParaRPr lang="en-US" altLang="zh-CN" sz="2000" dirty="0"/>
+          </a:p>
+          <a:p>
+            <a:r>
+              <a:rPr lang="zh-CN" altLang="en-US" sz="2000" dirty="0"/>
+              <a:t>添加环境变量</a:t>
+            </a:r>
+            <a:r>
+              <a:rPr lang="zh-CN" altLang="en-US" sz="2000" dirty="0" smtClean="0"/>
+              <a:t>：</a:t>
+            </a:r>
+            <a:endParaRPr lang="en-US" altLang="zh-CN" sz="2000" dirty="0" smtClean="0"/>
+          </a:p>
+          <a:p>
+            <a:r>
+              <a:rPr lang="en-US" altLang="zh-CN" sz="2000" dirty="0" smtClean="0"/>
+              <a:t>vi</a:t>
+            </a:r>
+            <a:r>
+              <a:rPr lang="en-US" altLang="zh-CN" sz="2000" dirty="0" smtClean="0"/>
+              <a:t> /etc/profile</a:t>
+            </a:r>
+            <a:endParaRPr lang="en-US" altLang="zh-CN" sz="2000" dirty="0"/>
+          </a:p>
+          <a:p>
+            <a:r>
+              <a:rPr lang="en-US" altLang="zh-CN" sz="2000" dirty="0" smtClean="0"/>
+              <a:t>MAVEN_HOME </a:t>
+            </a:r>
+            <a:r>
+              <a:rPr lang="en-US" altLang="zh-CN" sz="2000" dirty="0" smtClean="0"/>
+              <a:t>= /</a:t>
+            </a:r>
+            <a:r>
+              <a:rPr lang="en-US" altLang="zh-CN" sz="2000" dirty="0" smtClean="0"/>
+              <a:t>usr/maven-3.5.4</a:t>
+            </a:r>
+            <a:r>
+              <a:rPr lang="en-US" altLang="zh-CN" sz="2000" dirty="0" smtClean="0"/>
+              <a:t>/</a:t>
+            </a:r>
+            <a:endParaRPr lang="en-US" altLang="zh-CN" sz="2000" dirty="0"/>
+          </a:p>
+          <a:p>
+            <a:r>
+              <a:rPr lang="en-US" altLang="zh-CN" sz="2000" dirty="0"/>
+              <a:t>M2_HOME = </a:t>
+            </a:r>
+            <a:r>
+              <a:rPr lang="en-US" altLang="zh-CN" sz="2000" dirty="0" smtClean="0"/>
+              <a:t>/</a:t>
+            </a:r>
+            <a:r>
+              <a:rPr lang="en-US" altLang="zh-CN" sz="2000" dirty="0" smtClean="0"/>
+              <a:t>usr/maven-3.5.4/</a:t>
+            </a:r>
+          </a:p>
+          <a:p>
+            <a:r>
+              <a:rPr lang="en-US" altLang="zh-CN" sz="2000" dirty="0" smtClean="0"/>
+              <a:t>export PATH</a:t>
+            </a:r>
+            <a:r>
+              <a:rPr lang="en-US" altLang="zh-CN" sz="2000" dirty="0" smtClean="0"/>
+              <a:t>=${</a:t>
+            </a:r>
+            <a:r>
+              <a:rPr lang="en-US" altLang="zh-CN" sz="2000" dirty="0" smtClean="0"/>
+              <a:t>MAVEN_HOME </a:t>
+            </a:r>
+            <a:r>
+              <a:rPr lang="en-US" altLang="zh-CN" sz="2000" dirty="0" smtClean="0"/>
+              <a:t>}/</a:t>
+            </a:r>
+            <a:r>
+              <a:rPr lang="en-US" altLang="zh-CN" sz="2000" dirty="0" err="1" smtClean="0"/>
+              <a:t>bin:$</a:t>
+            </a:r>
+            <a:r>
+              <a:rPr lang="en-US" altLang="zh-CN" sz="2000" dirty="0" err="1" smtClean="0"/>
+              <a:t>PATH</a:t>
+            </a:r>
+            <a:endParaRPr lang="en-US" altLang="zh-CN" sz="2000" dirty="0" smtClean="0"/>
+          </a:p>
+          <a:p>
+            <a:r>
+              <a:rPr lang="en-US" altLang="zh-CN" sz="2000" dirty="0" smtClean="0"/>
+              <a:t>source /etc/profile</a:t>
+            </a:r>
+            <a:endParaRPr lang="en-US" altLang="zh-CN" sz="2000" dirty="0" smtClean="0"/>
+          </a:p>
+          <a:p>
+            <a:endParaRPr lang="zh-CN" altLang="en-US" sz="2000" dirty="0"/>
           </a:p>
         </p:txBody>
       </p:sp>
     </p:spTree>
     <p:extLst>
       <p:ext uri="{BB962C8B-B14F-4D97-AF65-F5344CB8AC3E}">
-        <p14:creationId xmlns:p14="http://schemas.microsoft.com/office/powerpoint/2010/main" val="264814506"/>
+        <p14:creationId xmlns:p14="http://schemas.microsoft.com/office/powerpoint/2010/main" xmlns="" val="264814506"/>
       </p:ext>
     </p:extLst>
   </p:cSld>
   <p:clrMapOvr>
     <a:masterClrMapping/>
   </p:clrMapOvr>
-  <mc:AlternateContent xmlns:mc="http://schemas.openxmlformats.org/markup-compatibility/2006" xmlns:p14="http://schemas.microsoft.com/office/powerpoint/2010/main">
-    <mc:Choice Requires="p14">
+  <mc:AlternateContent xmlns:mc="http://schemas.openxmlformats.org/markup-compatibility/2006">
+    <mc:Choice xmlns:p14="http://schemas.microsoft.com/office/powerpoint/2010/main" xmlns="" Requires="p14">
       <p:transition spd="slow" p14:dur="1500">
         <p:random/>
       </p:transition>
     </mc:Choice>
-    <mc:Fallback xmlns="">
+    <mc:Fallback>
       <p:transition spd="slow">
         <p:random/>
       </p:transition>
@@ -10805,7 +10969,7 @@
           <p:cNvPr id="3" name="TextBox 2">
             <a:extLst>
               <a:ext uri="{FF2B5EF4-FFF2-40B4-BE49-F238E27FC236}">
-                <a16:creationId xmlns:a16="http://schemas.microsoft.com/office/drawing/2014/main" id="{3D12AD8B-B0E9-43E0-990B-175F66FCAAF4}"/>
+                <a16:creationId xmlns:a16="http://schemas.microsoft.com/office/drawing/2014/main" xmlns="" id="{3D12AD8B-B0E9-43E0-990B-175F66FCAAF4}"/>
               </a:ext>
             </a:extLst>
           </p:cNvPr>
@@ -10894,20 +11058,20 @@
     </p:spTree>
     <p:extLst>
       <p:ext uri="{BB962C8B-B14F-4D97-AF65-F5344CB8AC3E}">
-        <p14:creationId xmlns:p14="http://schemas.microsoft.com/office/powerpoint/2010/main" val="264814506"/>
+        <p14:creationId xmlns:p14="http://schemas.microsoft.com/office/powerpoint/2010/main" xmlns="" val="264814506"/>
       </p:ext>
     </p:extLst>
   </p:cSld>
   <p:clrMapOvr>
     <a:masterClrMapping/>
   </p:clrMapOvr>
-  <mc:AlternateContent xmlns:mc="http://schemas.openxmlformats.org/markup-compatibility/2006" xmlns:p14="http://schemas.microsoft.com/office/powerpoint/2010/main">
-    <mc:Choice Requires="p14">
+  <mc:AlternateContent xmlns:mc="http://schemas.openxmlformats.org/markup-compatibility/2006">
+    <mc:Choice xmlns:p14="http://schemas.microsoft.com/office/powerpoint/2010/main" xmlns="" Requires="p14">
       <p:transition spd="slow" p14:dur="1500">
         <p:random/>
       </p:transition>
     </mc:Choice>
-    <mc:Fallback xmlns="">
+    <mc:Fallback>
       <p:transition spd="slow">
         <p:random/>
       </p:transition>
@@ -11408,7 +11572,7 @@
           <p:cNvPr id="3" name="TextBox 2">
             <a:extLst>
               <a:ext uri="{FF2B5EF4-FFF2-40B4-BE49-F238E27FC236}">
-                <a16:creationId xmlns:a16="http://schemas.microsoft.com/office/drawing/2014/main" id="{3D12AD8B-B0E9-43E0-990B-175F66FCAAF4}"/>
+                <a16:creationId xmlns:a16="http://schemas.microsoft.com/office/drawing/2014/main" xmlns="" id="{3D12AD8B-B0E9-43E0-990B-175F66FCAAF4}"/>
               </a:ext>
             </a:extLst>
           </p:cNvPr>
@@ -11514,20 +11678,20 @@
     </p:spTree>
     <p:extLst>
       <p:ext uri="{BB962C8B-B14F-4D97-AF65-F5344CB8AC3E}">
-        <p14:creationId xmlns:p14="http://schemas.microsoft.com/office/powerpoint/2010/main" val="1294057285"/>
+        <p14:creationId xmlns:p14="http://schemas.microsoft.com/office/powerpoint/2010/main" xmlns="" val="1294057285"/>
       </p:ext>
     </p:extLst>
   </p:cSld>
   <p:clrMapOvr>
     <a:masterClrMapping/>
   </p:clrMapOvr>
-  <mc:AlternateContent xmlns:mc="http://schemas.openxmlformats.org/markup-compatibility/2006" xmlns:p14="http://schemas.microsoft.com/office/powerpoint/2010/main">
-    <mc:Choice Requires="p14">
+  <mc:AlternateContent xmlns:mc="http://schemas.openxmlformats.org/markup-compatibility/2006">
+    <mc:Choice xmlns:p14="http://schemas.microsoft.com/office/powerpoint/2010/main" xmlns="" Requires="p14">
       <p:transition spd="slow" p14:dur="1500">
         <p:random/>
       </p:transition>
     </mc:Choice>
-    <mc:Fallback xmlns="">
+    <mc:Fallback>
       <p:transition spd="slow">
         <p:random/>
       </p:transition>
@@ -12028,7 +12192,7 @@
           <p:cNvPr id="4" name="Rectangle 3">
             <a:extLst>
               <a:ext uri="{FF2B5EF4-FFF2-40B4-BE49-F238E27FC236}">
-                <a16:creationId xmlns:a16="http://schemas.microsoft.com/office/drawing/2014/main" id="{E3259821-CB9D-4728-9A40-E875E3CAEEF0}"/>
+                <a16:creationId xmlns:a16="http://schemas.microsoft.com/office/drawing/2014/main" xmlns="" id="{E3259821-CB9D-4728-9A40-E875E3CAEEF0}"/>
               </a:ext>
             </a:extLst>
           </p:cNvPr>
@@ -12084,20 +12248,20 @@
     </p:spTree>
     <p:extLst>
       <p:ext uri="{BB962C8B-B14F-4D97-AF65-F5344CB8AC3E}">
-        <p14:creationId xmlns:p14="http://schemas.microsoft.com/office/powerpoint/2010/main" val="1746094027"/>
+        <p14:creationId xmlns:p14="http://schemas.microsoft.com/office/powerpoint/2010/main" xmlns="" val="1746094027"/>
       </p:ext>
     </p:extLst>
   </p:cSld>
   <p:clrMapOvr>
     <a:masterClrMapping/>
   </p:clrMapOvr>
-  <mc:AlternateContent xmlns:mc="http://schemas.openxmlformats.org/markup-compatibility/2006" xmlns:p14="http://schemas.microsoft.com/office/powerpoint/2010/main">
-    <mc:Choice Requires="p14">
+  <mc:AlternateContent xmlns:mc="http://schemas.openxmlformats.org/markup-compatibility/2006">
+    <mc:Choice xmlns:p14="http://schemas.microsoft.com/office/powerpoint/2010/main" xmlns="" Requires="p14">
       <p:transition spd="slow" p14:dur="1500">
         <p:random/>
       </p:transition>
     </mc:Choice>
-    <mc:Fallback xmlns="">
+    <mc:Fallback>
       <p:transition spd="slow">
         <p:random/>
       </p:transition>
@@ -12657,20 +12821,20 @@
     </p:spTree>
     <p:extLst>
       <p:ext uri="{BB962C8B-B14F-4D97-AF65-F5344CB8AC3E}">
-        <p14:creationId xmlns:p14="http://schemas.microsoft.com/office/powerpoint/2010/main" val="264814506"/>
+        <p14:creationId xmlns:p14="http://schemas.microsoft.com/office/powerpoint/2010/main" xmlns="" val="264814506"/>
       </p:ext>
     </p:extLst>
   </p:cSld>
   <p:clrMapOvr>
     <a:masterClrMapping/>
   </p:clrMapOvr>
-  <mc:AlternateContent xmlns:mc="http://schemas.openxmlformats.org/markup-compatibility/2006" xmlns:p14="http://schemas.microsoft.com/office/powerpoint/2010/main">
-    <mc:Choice Requires="p14">
+  <mc:AlternateContent xmlns:mc="http://schemas.openxmlformats.org/markup-compatibility/2006">
+    <mc:Choice xmlns:p14="http://schemas.microsoft.com/office/powerpoint/2010/main" xmlns="" Requires="p14">
       <p:transition spd="slow" p14:dur="1500">
         <p:random/>
       </p:transition>
     </mc:Choice>
-    <mc:Fallback xmlns="">
+    <mc:Fallback>
       <p:transition spd="slow">
         <p:random/>
       </p:transition>
@@ -13195,7 +13359,7 @@
   <a:extraClrSchemeLst/>
   <a:extLst>
     <a:ext uri="{05A4C25C-085E-4340-85A3-A5531E510DB2}">
-      <thm15:themeFamily xmlns:thm15="http://schemas.microsoft.com/office/thememl/2012/main" name="Office Theme" id="{62F939B6-93AF-4DB8-9C6B-D6C7DFDC589F}" vid="{4A3C46E8-61CC-4603-A589-7422A47A8E4A}"/>
+      <thm15:themeFamily xmlns:thm15="http://schemas.microsoft.com/office/thememl/2012/main" xmlns="" name="Office Theme" id="{62F939B6-93AF-4DB8-9C6B-D6C7DFDC589F}" vid="{4A3C46E8-61CC-4603-A589-7422A47A8E4A}"/>
     </a:ext>
   </a:extLst>
 </a:theme>
@@ -13456,7 +13620,7 @@
   <a:extraClrSchemeLst/>
   <a:extLst>
     <a:ext uri="{05A4C25C-085E-4340-85A3-A5531E510DB2}">
-      <thm15:themeFamily xmlns:thm15="http://schemas.microsoft.com/office/thememl/2012/main" name="Office Theme" id="{62F939B6-93AF-4DB8-9C6B-D6C7DFDC589F}" vid="{4A3C46E8-61CC-4603-A589-7422A47A8E4A}"/>
+      <thm15:themeFamily xmlns:thm15="http://schemas.microsoft.com/office/thememl/2012/main" xmlns="" name="Office Theme" id="{62F939B6-93AF-4DB8-9C6B-D6C7DFDC589F}" vid="{4A3C46E8-61CC-4603-A589-7422A47A8E4A}"/>
     </a:ext>
   </a:extLst>
 </a:theme>
